--- a/Fase 2/Presentación Proyecto (1) (1).pptx
+++ b/Fase 2/Presentación Proyecto (1) (1).pptx
@@ -144,7 +144,7 @@
       <p15:sldGuideLst xmlns:p15="http://schemas.microsoft.com/office/powerpoint/2012/main"/>
     </p:ext>
     <p:ext uri="GoogleSlidesCustomDataVersion2">
-      <go:slidesCustomData xmlns="" xmlns:mc="http://schemas.openxmlformats.org/markup-compatibility/2006" xmlns:mv="urn:schemas-microsoft-com:mac:vml" xmlns:c="http://schemas.openxmlformats.org/drawingml/2006/chart" xmlns:dgm="http://schemas.openxmlformats.org/drawingml/2006/diagram" xmlns:o="urn:schemas-microsoft-com:office:office" xmlns:v="urn:schemas-microsoft-com:vml" xmlns:pvml="urn:schemas-microsoft-com:office:powerpoint" xmlns:com="http://schemas.openxmlformats.org/drawingml/2006/compatibility" xmlns:p14="http://schemas.microsoft.com/office/powerpoint/2010/main" xmlns:p15="http://schemas.microsoft.com/office/powerpoint/2012/main" xmlns:ahyp="http://schemas.microsoft.com/office/drawing/2018/hyperlinkcolor" xmlns:go="http://customooxmlschemas.google.com/" r:id="rId25" roundtripDataSignature="AMtx7mi2vDnV5HLHD661o8ugFoUjwzH33w=="/>
+      <go:slidesCustomData xmlns:go="http://customooxmlschemas.google.com/" xmlns:ahyp="http://schemas.microsoft.com/office/drawing/2018/hyperlinkcolor" xmlns:p15="http://schemas.microsoft.com/office/powerpoint/2012/main" xmlns:p14="http://schemas.microsoft.com/office/powerpoint/2010/main" xmlns:com="http://schemas.openxmlformats.org/drawingml/2006/compatibility" xmlns:pvml="urn:schemas-microsoft-com:office:powerpoint" xmlns:v="urn:schemas-microsoft-com:vml" xmlns:o="urn:schemas-microsoft-com:office:office" xmlns:dgm="http://schemas.openxmlformats.org/drawingml/2006/diagram" xmlns:c="http://schemas.openxmlformats.org/drawingml/2006/chart" xmlns:mv="urn:schemas-microsoft-com:mac:vml" xmlns:mc="http://schemas.openxmlformats.org/markup-compatibility/2006" xmlns="" r:id="rId25" roundtripDataSignature="AMtx7mi2vDnV5HLHD661o8ugFoUjwzH33w=="/>
     </p:ext>
   </p:extLst>
 </p:presentation>
@@ -9014,12 +9014,54 @@
       </p:cxnSp>
       <p:pic>
         <p:nvPicPr>
+          <p:cNvPr id="3" name="Picture 2" descr="A computer screen shot of a computer program">
+            <a:extLst>
+              <a:ext uri="{FF2B5EF4-FFF2-40B4-BE49-F238E27FC236}">
+                <a16:creationId xmlns:a16="http://schemas.microsoft.com/office/drawing/2014/main" id="{6F761772-93B0-C044-46C8-4019663C7118}"/>
+              </a:ext>
+            </a:extLst>
+          </p:cNvPr>
+          <p:cNvPicPr>
+            <a:picLocks noChangeAspect="1"/>
+          </p:cNvPicPr>
+          <p:nvPr/>
+        </p:nvPicPr>
+        <p:blipFill>
+          <a:blip r:embed="rId3">
+            <a:extLst>
+              <a:ext uri="{BEBA8EAE-BF5A-486C-A8C5-ECC9F3942E4B}">
+                <a14:imgProps xmlns:a14="http://schemas.microsoft.com/office/drawing/2010/main">
+                  <a14:imgLayer r:embed="rId4">
+                    <a14:imgEffect>
+                      <a14:saturation sat="400000"/>
+                    </a14:imgEffect>
+                  </a14:imgLayer>
+                </a14:imgProps>
+              </a:ext>
+            </a:extLst>
+          </a:blip>
+          <a:stretch>
+            <a:fillRect/>
+          </a:stretch>
+        </p:blipFill>
+        <p:spPr>
+          <a:xfrm>
+            <a:off x="624117" y="0"/>
+            <a:ext cx="11746523" cy="6858000"/>
+          </a:xfrm>
+          <a:prstGeom prst="rect">
+            <a:avLst/>
+          </a:prstGeom>
+        </p:spPr>
+      </p:pic>
+      <p:pic>
+        <p:nvPicPr>
           <p:cNvPr id="196" name="Google Shape;196;p10" descr="A logo for a school&#10;&#10;Description automatically generated"/>
           <p:cNvPicPr preferRelativeResize="0"/>
           <p:nvPr/>
         </p:nvPicPr>
         <p:blipFill rotWithShape="1">
-          <a:blip r:embed="rId3">
+          <a:blip r:embed="rId5">
             <a:alphaModFix/>
           </a:blip>
           <a:srcRect/>
@@ -9027,7 +9069,7 @@
         </p:blipFill>
         <p:spPr>
           <a:xfrm>
-            <a:off x="136188" y="-8598"/>
+            <a:off x="720388" y="257277"/>
             <a:ext cx="975859" cy="1001500"/>
           </a:xfrm>
           <a:prstGeom prst="rect">
@@ -9125,6 +9167,36 @@
           </a:p>
         </p:txBody>
       </p:sp>
+      <p:pic>
+        <p:nvPicPr>
+          <p:cNvPr id="3" name="Picture 2" descr="A screen shot of a computer program&#10;&#10;Description automatically generated">
+            <a:extLst>
+              <a:ext uri="{FF2B5EF4-FFF2-40B4-BE49-F238E27FC236}">
+                <a16:creationId xmlns:a16="http://schemas.microsoft.com/office/drawing/2014/main" id="{C50CDDA8-C117-0B02-6DF6-C6A530E392B4}"/>
+              </a:ext>
+            </a:extLst>
+          </p:cNvPr>
+          <p:cNvPicPr>
+            <a:picLocks noChangeAspect="1"/>
+          </p:cNvPicPr>
+          <p:nvPr/>
+        </p:nvPicPr>
+        <p:blipFill>
+          <a:blip r:embed="rId3"/>
+          <a:stretch>
+            <a:fillRect/>
+          </a:stretch>
+        </p:blipFill>
+        <p:spPr>
+          <a:xfrm>
+            <a:off x="-45541" y="1066800"/>
+            <a:ext cx="12283081" cy="6350000"/>
+          </a:xfrm>
+          <a:prstGeom prst="rect">
+            <a:avLst/>
+          </a:prstGeom>
+        </p:spPr>
+      </p:pic>
     </p:spTree>
   </p:cSld>
   <p:clrMapOvr>
@@ -9211,6 +9283,36 @@
           </a:p>
         </p:txBody>
       </p:sp>
+      <p:pic>
+        <p:nvPicPr>
+          <p:cNvPr id="3" name="Picture 2" descr="A screen shot of a computer code&#10;&#10;Description automatically generated">
+            <a:extLst>
+              <a:ext uri="{FF2B5EF4-FFF2-40B4-BE49-F238E27FC236}">
+                <a16:creationId xmlns:a16="http://schemas.microsoft.com/office/drawing/2014/main" id="{621AF32C-4567-24E7-9061-4F5DC3C15977}"/>
+              </a:ext>
+            </a:extLst>
+          </p:cNvPr>
+          <p:cNvPicPr>
+            <a:picLocks noChangeAspect="1"/>
+          </p:cNvPicPr>
+          <p:nvPr/>
+        </p:nvPicPr>
+        <p:blipFill>
+          <a:blip r:embed="rId3"/>
+          <a:stretch>
+            <a:fillRect/>
+          </a:stretch>
+        </p:blipFill>
+        <p:spPr>
+          <a:xfrm>
+            <a:off x="0" y="1066800"/>
+            <a:ext cx="12264076" cy="7137400"/>
+          </a:xfrm>
+          <a:prstGeom prst="rect">
+            <a:avLst/>
+          </a:prstGeom>
+        </p:spPr>
+      </p:pic>
     </p:spTree>
     <p:extLst>
       <p:ext uri="{BB962C8B-B14F-4D97-AF65-F5344CB8AC3E}">
@@ -12041,215 +12143,6 @@
       </p:pic>
       <p:sp>
         <p:nvSpPr>
-          <p:cNvPr id="142" name="Google Shape;142;p5"/>
-          <p:cNvSpPr/>
-          <p:nvPr/>
-        </p:nvSpPr>
-        <p:spPr>
-          <a:xfrm>
-            <a:off x="11630735" y="4013039"/>
-            <a:ext cx="10829917" cy="2770352"/>
-          </a:xfrm>
-          <a:prstGeom prst="roundRect">
-            <a:avLst>
-              <a:gd name="adj" fmla="val 16667"/>
-            </a:avLst>
-          </a:prstGeom>
-          <a:solidFill>
-            <a:schemeClr val="lt1"/>
-          </a:solidFill>
-          <a:ln w="12700" cap="flat" cmpd="sng">
-            <a:solidFill>
-              <a:schemeClr val="accent1"/>
-            </a:solidFill>
-            <a:prstDash val="solid"/>
-            <a:miter lim="800000"/>
-            <a:headEnd type="none" w="sm" len="sm"/>
-            <a:tailEnd type="none" w="sm" len="sm"/>
-          </a:ln>
-        </p:spPr>
-        <p:txBody>
-          <a:bodyPr spcFirstLastPara="1" wrap="square" lIns="91425" tIns="45700" rIns="91425" bIns="45700" anchor="ctr" anchorCtr="0">
-            <a:noAutofit/>
-          </a:bodyPr>
-          <a:lstStyle/>
-          <a:p>
-            <a:pPr marL="457200" marR="0" lvl="0" indent="-342900" algn="l" rtl="0">
-              <a:spcBef>
-                <a:spcPts val="0"/>
-              </a:spcBef>
-              <a:spcAft>
-                <a:spcPts val="0"/>
-              </a:spcAft>
-              <a:buClr>
-                <a:schemeClr val="dk1"/>
-              </a:buClr>
-              <a:buSzPts val="1800"/>
-              <a:buFont typeface="Calibri"/>
-              <a:buChar char="●"/>
-            </a:pPr>
-            <a:r>
-              <a:rPr lang="es-ES" sz="1800" b="0" i="0" u="sng" strike="noStrike" cap="none" dirty="0">
-                <a:solidFill>
-                  <a:schemeClr val="dk1"/>
-                </a:solidFill>
-                <a:latin typeface="Calibri"/>
-                <a:ea typeface="Calibri"/>
-                <a:cs typeface="Calibri"/>
-                <a:sym typeface="Calibri"/>
-              </a:rPr>
-              <a:t>Módulo de Diagnóstico</a:t>
-            </a:r>
-            <a:r>
-              <a:rPr lang="es-ES" sz="1800" b="0" i="0" u="none" strike="noStrike" cap="none" dirty="0">
-                <a:solidFill>
-                  <a:schemeClr val="dk1"/>
-                </a:solidFill>
-                <a:latin typeface="Calibri"/>
-                <a:ea typeface="Calibri"/>
-                <a:cs typeface="Calibri"/>
-                <a:sym typeface="Calibri"/>
-              </a:rPr>
-              <a:t>: Crear un sistema que evalúe las debilidades en el conocimiento de los estudiantes.</a:t>
-            </a:r>
-            <a:endParaRPr lang="es-ES" dirty="0"/>
-          </a:p>
-          <a:p>
-            <a:pPr marL="457200" marR="0" lvl="0" indent="-228600" algn="l" rtl="0">
-              <a:spcBef>
-                <a:spcPts val="0"/>
-              </a:spcBef>
-              <a:spcAft>
-                <a:spcPts val="0"/>
-              </a:spcAft>
-              <a:buClr>
-                <a:schemeClr val="dk1"/>
-              </a:buClr>
-              <a:buSzPts val="1800"/>
-              <a:buFont typeface="Calibri"/>
-              <a:buNone/>
-            </a:pPr>
-            <a:endParaRPr lang="es-ES" sz="1800" b="0" i="0" u="none" strike="noStrike" cap="none" dirty="0">
-              <a:solidFill>
-                <a:schemeClr val="dk1"/>
-              </a:solidFill>
-              <a:latin typeface="Calibri"/>
-              <a:ea typeface="Calibri"/>
-              <a:cs typeface="Calibri"/>
-              <a:sym typeface="Calibri"/>
-            </a:endParaRPr>
-          </a:p>
-          <a:p>
-            <a:pPr marL="457200" marR="0" lvl="0" indent="-342900" algn="l" rtl="0">
-              <a:spcBef>
-                <a:spcPts val="0"/>
-              </a:spcBef>
-              <a:spcAft>
-                <a:spcPts val="0"/>
-              </a:spcAft>
-              <a:buClr>
-                <a:schemeClr val="dk1"/>
-              </a:buClr>
-              <a:buSzPts val="1800"/>
-              <a:buFont typeface="Calibri"/>
-              <a:buChar char="●"/>
-            </a:pPr>
-            <a:r>
-              <a:rPr lang="es-ES" sz="1800" b="0" i="0" u="sng" strike="noStrike" cap="none" dirty="0">
-                <a:solidFill>
-                  <a:schemeClr val="dk1"/>
-                </a:solidFill>
-                <a:latin typeface="Calibri"/>
-                <a:ea typeface="Calibri"/>
-                <a:cs typeface="Calibri"/>
-                <a:sym typeface="Calibri"/>
-              </a:rPr>
-              <a:t>Ejercicios Personalizados</a:t>
-            </a:r>
-            <a:r>
-              <a:rPr lang="es-ES" sz="1800" b="0" i="0" u="none" strike="noStrike" cap="none" dirty="0">
-                <a:solidFill>
-                  <a:schemeClr val="dk1"/>
-                </a:solidFill>
-                <a:latin typeface="Calibri"/>
-                <a:ea typeface="Calibri"/>
-                <a:cs typeface="Calibri"/>
-                <a:sym typeface="Calibri"/>
-              </a:rPr>
-              <a:t>: Implementar ejercicios adaptados según el diagnóstico de cada estudiante.</a:t>
-            </a:r>
-            <a:endParaRPr lang="es-ES" dirty="0"/>
-          </a:p>
-          <a:p>
-            <a:pPr marL="457200" marR="0" lvl="0" indent="-228600" algn="l" rtl="0">
-              <a:spcBef>
-                <a:spcPts val="0"/>
-              </a:spcBef>
-              <a:spcAft>
-                <a:spcPts val="0"/>
-              </a:spcAft>
-              <a:buClr>
-                <a:schemeClr val="dk1"/>
-              </a:buClr>
-              <a:buSzPts val="1800"/>
-              <a:buFont typeface="Calibri"/>
-              <a:buNone/>
-            </a:pPr>
-            <a:endParaRPr lang="es-ES" sz="1800" b="0" i="0" u="none" strike="noStrike" cap="none" dirty="0">
-              <a:solidFill>
-                <a:schemeClr val="dk1"/>
-              </a:solidFill>
-              <a:latin typeface="Calibri"/>
-              <a:ea typeface="Calibri"/>
-              <a:cs typeface="Calibri"/>
-              <a:sym typeface="Calibri"/>
-            </a:endParaRPr>
-          </a:p>
-          <a:p>
-            <a:pPr marL="457200" marR="0" lvl="0" indent="-342900" algn="l" rtl="0">
-              <a:spcBef>
-                <a:spcPts val="0"/>
-              </a:spcBef>
-              <a:spcAft>
-                <a:spcPts val="0"/>
-              </a:spcAft>
-              <a:buClr>
-                <a:schemeClr val="dk1"/>
-              </a:buClr>
-              <a:buSzPts val="1800"/>
-              <a:buFont typeface="Calibri"/>
-              <a:buChar char="●"/>
-            </a:pPr>
-            <a:r>
-              <a:rPr lang="es-ES" sz="1800" b="0" i="0" u="sng" strike="noStrike" cap="none" dirty="0">
-                <a:solidFill>
-                  <a:schemeClr val="dk1"/>
-                </a:solidFill>
-                <a:latin typeface="Calibri"/>
-                <a:ea typeface="Calibri"/>
-                <a:cs typeface="Calibri"/>
-                <a:sym typeface="Calibri"/>
-              </a:rPr>
-              <a:t>Monitoreo del Progreso</a:t>
-            </a:r>
-            <a:r>
-              <a:rPr lang="es-ES" sz="1800" b="0" i="0" u="none" strike="noStrike" cap="none" dirty="0">
-                <a:solidFill>
-                  <a:schemeClr val="dk1"/>
-                </a:solidFill>
-                <a:latin typeface="Calibri"/>
-                <a:ea typeface="Calibri"/>
-                <a:cs typeface="Calibri"/>
-                <a:sym typeface="Calibri"/>
-              </a:rPr>
-              <a:t>: Desarrollar una herramienta que permita a los estudiantes ver su evolución académica.</a:t>
-            </a:r>
-            <a:endParaRPr lang="es-ES" dirty="0"/>
-          </a:p>
-        </p:txBody>
-      </p:sp>
-      <p:sp>
-        <p:nvSpPr>
           <p:cNvPr id="2" name="Google Shape;140;p5">
             <a:extLst>
               <a:ext uri="{FF2B5EF4-FFF2-40B4-BE49-F238E27FC236}">
@@ -12982,7 +12875,7 @@
         </p:blipFill>
         <p:spPr>
           <a:xfrm>
-            <a:off x="838713" y="1730176"/>
+            <a:off x="666233" y="1922180"/>
             <a:ext cx="1521076" cy="1521074"/>
           </a:xfrm>
           <a:prstGeom prst="rect">
@@ -13009,7 +12902,7 @@
         </p:blipFill>
         <p:spPr>
           <a:xfrm>
-            <a:off x="3590931" y="1904877"/>
+            <a:off x="3125183" y="2020154"/>
             <a:ext cx="1662899" cy="1325125"/>
           </a:xfrm>
           <a:prstGeom prst="rect">
@@ -13036,7 +12929,7 @@
         </p:blipFill>
         <p:spPr>
           <a:xfrm>
-            <a:off x="6453993" y="1703661"/>
+            <a:off x="5471969" y="1751566"/>
             <a:ext cx="1731250" cy="1731250"/>
           </a:xfrm>
           <a:prstGeom prst="rect">
@@ -13063,8 +12956,251 @@
         </p:blipFill>
         <p:spPr>
           <a:xfrm>
-            <a:off x="9348034" y="2088202"/>
+            <a:off x="7433385" y="2140233"/>
             <a:ext cx="2400325" cy="1141800"/>
+          </a:xfrm>
+          <a:prstGeom prst="rect">
+            <a:avLst/>
+          </a:prstGeom>
+          <a:noFill/>
+          <a:ln>
+            <a:noFill/>
+          </a:ln>
+        </p:spPr>
+      </p:pic>
+      <p:pic>
+        <p:nvPicPr>
+          <p:cNvPr id="174" name="Google Shape;174;p8" title="File:Google cloud.png - Wikimedia Commons"/>
+          <p:cNvPicPr preferRelativeResize="0"/>
+          <p:nvPr/>
+        </p:nvPicPr>
+        <p:blipFill rotWithShape="1">
+          <a:blip r:embed="rId8">
+            <a:alphaModFix/>
+          </a:blip>
+          <a:srcRect/>
+          <a:stretch/>
+        </p:blipFill>
+        <p:spPr>
+          <a:xfrm>
+            <a:off x="7433385" y="4258421"/>
+            <a:ext cx="1821058" cy="1866356"/>
+          </a:xfrm>
+          <a:prstGeom prst="rect">
+            <a:avLst/>
+          </a:prstGeom>
+          <a:noFill/>
+          <a:ln>
+            <a:noFill/>
+          </a:ln>
+        </p:spPr>
+      </p:pic>
+      <p:sp>
+        <p:nvSpPr>
+          <p:cNvPr id="175" name="Google Shape;175;p8"/>
+          <p:cNvSpPr/>
+          <p:nvPr/>
+        </p:nvSpPr>
+        <p:spPr>
+          <a:xfrm>
+            <a:off x="763771" y="3429000"/>
+            <a:ext cx="1326000" cy="523220"/>
+          </a:xfrm>
+          <a:prstGeom prst="rect">
+            <a:avLst/>
+          </a:prstGeom>
+          <a:noFill/>
+          <a:ln>
+            <a:noFill/>
+          </a:ln>
+        </p:spPr>
+        <p:txBody>
+          <a:bodyPr spcFirstLastPara="1" wrap="square" lIns="91425" tIns="45700" rIns="91425" bIns="45700" anchor="t" anchorCtr="0">
+            <a:spAutoFit/>
+          </a:bodyPr>
+          <a:lstStyle/>
+          <a:p>
+            <a:pPr marL="0" marR="0" lvl="0" indent="0" algn="ctr" rtl="0">
+              <a:spcBef>
+                <a:spcPts val="0"/>
+              </a:spcBef>
+              <a:spcAft>
+                <a:spcPts val="0"/>
+              </a:spcAft>
+              <a:buNone/>
+            </a:pPr>
+            <a:r>
+              <a:rPr lang="es-CL" sz="2800" b="1" i="0" u="none" strike="noStrike" cap="none" dirty="0">
+                <a:solidFill>
+                  <a:srgbClr val="262626"/>
+                </a:solidFill>
+                <a:latin typeface="Corbel"/>
+                <a:ea typeface="Corbel"/>
+                <a:cs typeface="Corbel"/>
+                <a:sym typeface="Corbel"/>
+              </a:rPr>
+              <a:t>Python</a:t>
+            </a:r>
+            <a:endParaRPr dirty="0"/>
+          </a:p>
+        </p:txBody>
+      </p:sp>
+      <p:sp>
+        <p:nvSpPr>
+          <p:cNvPr id="176" name="Google Shape;176;p8"/>
+          <p:cNvSpPr/>
+          <p:nvPr/>
+        </p:nvSpPr>
+        <p:spPr>
+          <a:xfrm>
+            <a:off x="3073357" y="3429000"/>
+            <a:ext cx="1766549" cy="523220"/>
+          </a:xfrm>
+          <a:prstGeom prst="rect">
+            <a:avLst/>
+          </a:prstGeom>
+          <a:noFill/>
+          <a:ln>
+            <a:noFill/>
+          </a:ln>
+        </p:spPr>
+        <p:txBody>
+          <a:bodyPr spcFirstLastPara="1" wrap="square" lIns="91425" tIns="45700" rIns="91425" bIns="45700" anchor="t" anchorCtr="0">
+            <a:spAutoFit/>
+          </a:bodyPr>
+          <a:lstStyle/>
+          <a:p>
+            <a:pPr marL="0" marR="0" lvl="0" indent="0" algn="ctr" rtl="0">
+              <a:spcBef>
+                <a:spcPts val="0"/>
+              </a:spcBef>
+              <a:spcAft>
+                <a:spcPts val="0"/>
+              </a:spcAft>
+              <a:buNone/>
+            </a:pPr>
+            <a:r>
+              <a:rPr lang="es-CL" sz="2800" b="1" i="0" u="none" strike="noStrike" cap="none" dirty="0">
+                <a:solidFill>
+                  <a:srgbClr val="262626"/>
+                </a:solidFill>
+                <a:latin typeface="Corbel"/>
+                <a:ea typeface="Corbel"/>
+                <a:cs typeface="Corbel"/>
+                <a:sym typeface="Corbel"/>
+              </a:rPr>
+              <a:t>Bootstrap</a:t>
+            </a:r>
+            <a:endParaRPr dirty="0"/>
+          </a:p>
+        </p:txBody>
+      </p:sp>
+      <p:sp>
+        <p:nvSpPr>
+          <p:cNvPr id="177" name="Google Shape;177;p8"/>
+          <p:cNvSpPr/>
+          <p:nvPr/>
+        </p:nvSpPr>
+        <p:spPr>
+          <a:xfrm>
+            <a:off x="5241802" y="3429000"/>
+            <a:ext cx="2191583" cy="523220"/>
+          </a:xfrm>
+          <a:prstGeom prst="rect">
+            <a:avLst/>
+          </a:prstGeom>
+          <a:noFill/>
+          <a:ln>
+            <a:noFill/>
+          </a:ln>
+        </p:spPr>
+        <p:txBody>
+          <a:bodyPr spcFirstLastPara="1" wrap="square" lIns="91425" tIns="45700" rIns="91425" bIns="45700" anchor="t" anchorCtr="0">
+            <a:spAutoFit/>
+          </a:bodyPr>
+          <a:lstStyle/>
+          <a:p>
+            <a:pPr marL="0" marR="0" lvl="0" indent="0" algn="ctr" rtl="0">
+              <a:spcBef>
+                <a:spcPts val="0"/>
+              </a:spcBef>
+              <a:spcAft>
+                <a:spcPts val="0"/>
+              </a:spcAft>
+              <a:buNone/>
+            </a:pPr>
+            <a:r>
+              <a:rPr lang="es-CL" sz="2800" b="1" i="0" u="none" strike="noStrike" cap="none" dirty="0" err="1">
+                <a:solidFill>
+                  <a:srgbClr val="262626"/>
+                </a:solidFill>
+                <a:latin typeface="Corbel"/>
+                <a:ea typeface="Corbel"/>
+                <a:cs typeface="Corbel"/>
+                <a:sym typeface="Corbel"/>
+              </a:rPr>
+              <a:t>Tailwind</a:t>
+            </a:r>
+            <a:r>
+              <a:rPr lang="es-CL" sz="2800" b="1" i="0" u="none" strike="noStrike" cap="none" dirty="0">
+                <a:solidFill>
+                  <a:srgbClr val="262626"/>
+                </a:solidFill>
+                <a:latin typeface="Corbel"/>
+                <a:ea typeface="Corbel"/>
+                <a:cs typeface="Corbel"/>
+                <a:sym typeface="Corbel"/>
+              </a:rPr>
+              <a:t> CSS</a:t>
+            </a:r>
+            <a:endParaRPr dirty="0"/>
+          </a:p>
+        </p:txBody>
+      </p:sp>
+      <p:pic>
+        <p:nvPicPr>
+          <p:cNvPr id="179" name="Google Shape;179;p8" descr="A logo for a school&#10;&#10;Description automatically generated"/>
+          <p:cNvPicPr preferRelativeResize="0"/>
+          <p:nvPr/>
+        </p:nvPicPr>
+        <p:blipFill rotWithShape="1">
+          <a:blip r:embed="rId9">
+            <a:alphaModFix/>
+          </a:blip>
+          <a:srcRect/>
+          <a:stretch/>
+        </p:blipFill>
+        <p:spPr>
+          <a:xfrm>
+            <a:off x="136188" y="-8598"/>
+            <a:ext cx="975859" cy="1001500"/>
+          </a:xfrm>
+          <a:prstGeom prst="rect">
+            <a:avLst/>
+          </a:prstGeom>
+          <a:noFill/>
+          <a:ln>
+            <a:noFill/>
+          </a:ln>
+        </p:spPr>
+      </p:pic>
+      <p:pic>
+        <p:nvPicPr>
+          <p:cNvPr id="180" name="Google Shape;180;p8" descr="Transforming AI with LangChain: A Text Data Game Changer - KDnuggets"/>
+          <p:cNvPicPr preferRelativeResize="0"/>
+          <p:nvPr/>
+        </p:nvPicPr>
+        <p:blipFill rotWithShape="1">
+          <a:blip r:embed="rId10">
+            <a:alphaModFix/>
+          </a:blip>
+          <a:srcRect/>
+          <a:stretch/>
+        </p:blipFill>
+        <p:spPr>
+          <a:xfrm>
+            <a:off x="-104015" y="4372532"/>
+            <a:ext cx="5615364" cy="1938920"/>
           </a:xfrm>
           <a:prstGeom prst="rect">
             <a:avLst/>
@@ -13082,7 +13218,7 @@
           <p:nvPr/>
         </p:nvPicPr>
         <p:blipFill rotWithShape="1">
-          <a:blip r:embed="rId8">
+          <a:blip r:embed="rId11">
             <a:alphaModFix/>
           </a:blip>
           <a:srcRect/>
@@ -13090,7 +13226,7 @@
         </p:blipFill>
         <p:spPr>
           <a:xfrm>
-            <a:off x="6559080" y="4316696"/>
+            <a:off x="5549901" y="4431061"/>
             <a:ext cx="1521076" cy="1521076"/>
           </a:xfrm>
           <a:prstGeom prst="rect">
@@ -13102,43 +13238,16 @@
           </a:ln>
         </p:spPr>
       </p:pic>
-      <p:pic>
-        <p:nvPicPr>
-          <p:cNvPr id="174" name="Google Shape;174;p8" title="File:Google cloud.png - Wikimedia Commons"/>
-          <p:cNvPicPr preferRelativeResize="0"/>
-          <p:nvPr/>
-        </p:nvPicPr>
-        <p:blipFill rotWithShape="1">
-          <a:blip r:embed="rId9">
-            <a:alphaModFix/>
-          </a:blip>
-          <a:srcRect/>
-          <a:stretch/>
-        </p:blipFill>
-        <p:spPr>
-          <a:xfrm>
-            <a:off x="9416385" y="4233026"/>
-            <a:ext cx="1821058" cy="1866356"/>
-          </a:xfrm>
-          <a:prstGeom prst="rect">
-            <a:avLst/>
-          </a:prstGeom>
-          <a:noFill/>
-          <a:ln>
-            <a:noFill/>
-          </a:ln>
-        </p:spPr>
-      </p:pic>
-      <p:sp>
-        <p:nvSpPr>
-          <p:cNvPr id="175" name="Google Shape;175;p8"/>
+      <p:sp>
+        <p:nvSpPr>
+          <p:cNvPr id="178" name="Google Shape;178;p8"/>
           <p:cNvSpPr/>
           <p:nvPr/>
         </p:nvSpPr>
         <p:spPr>
           <a:xfrm>
-            <a:off x="908520" y="3108991"/>
-            <a:ext cx="1326000" cy="523220"/>
+            <a:off x="5749319" y="5638191"/>
+            <a:ext cx="1122239" cy="523220"/>
           </a:xfrm>
           <a:prstGeom prst="rect">
             <a:avLst/>
@@ -13173,228 +13282,12 @@
                 <a:cs typeface="Corbel"/>
                 <a:sym typeface="Corbel"/>
               </a:rPr>
-              <a:t>Python</a:t>
+              <a:t>GIT</a:t>
             </a:r>
             <a:endParaRPr dirty="0"/>
           </a:p>
         </p:txBody>
       </p:sp>
-      <p:sp>
-        <p:nvSpPr>
-          <p:cNvPr id="176" name="Google Shape;176;p8"/>
-          <p:cNvSpPr/>
-          <p:nvPr/>
-        </p:nvSpPr>
-        <p:spPr>
-          <a:xfrm>
-            <a:off x="3523616" y="3108991"/>
-            <a:ext cx="1766549" cy="523220"/>
-          </a:xfrm>
-          <a:prstGeom prst="rect">
-            <a:avLst/>
-          </a:prstGeom>
-          <a:noFill/>
-          <a:ln>
-            <a:noFill/>
-          </a:ln>
-        </p:spPr>
-        <p:txBody>
-          <a:bodyPr spcFirstLastPara="1" wrap="square" lIns="91425" tIns="45700" rIns="91425" bIns="45700" anchor="t" anchorCtr="0">
-            <a:spAutoFit/>
-          </a:bodyPr>
-          <a:lstStyle/>
-          <a:p>
-            <a:pPr marL="0" marR="0" lvl="0" indent="0" algn="ctr" rtl="0">
-              <a:spcBef>
-                <a:spcPts val="0"/>
-              </a:spcBef>
-              <a:spcAft>
-                <a:spcPts val="0"/>
-              </a:spcAft>
-              <a:buNone/>
-            </a:pPr>
-            <a:r>
-              <a:rPr lang="es-CL" sz="2800" b="1" i="0" u="none" strike="noStrike" cap="none" dirty="0">
-                <a:solidFill>
-                  <a:srgbClr val="262626"/>
-                </a:solidFill>
-                <a:latin typeface="Corbel"/>
-                <a:ea typeface="Corbel"/>
-                <a:cs typeface="Corbel"/>
-                <a:sym typeface="Corbel"/>
-              </a:rPr>
-              <a:t>Bootstrap</a:t>
-            </a:r>
-            <a:endParaRPr dirty="0"/>
-          </a:p>
-        </p:txBody>
-      </p:sp>
-      <p:sp>
-        <p:nvSpPr>
-          <p:cNvPr id="177" name="Google Shape;177;p8"/>
-          <p:cNvSpPr/>
-          <p:nvPr/>
-        </p:nvSpPr>
-        <p:spPr>
-          <a:xfrm>
-            <a:off x="6149340" y="3108991"/>
-            <a:ext cx="2191583" cy="523220"/>
-          </a:xfrm>
-          <a:prstGeom prst="rect">
-            <a:avLst/>
-          </a:prstGeom>
-          <a:noFill/>
-          <a:ln>
-            <a:noFill/>
-          </a:ln>
-        </p:spPr>
-        <p:txBody>
-          <a:bodyPr spcFirstLastPara="1" wrap="square" lIns="91425" tIns="45700" rIns="91425" bIns="45700" anchor="t" anchorCtr="0">
-            <a:spAutoFit/>
-          </a:bodyPr>
-          <a:lstStyle/>
-          <a:p>
-            <a:pPr marL="0" marR="0" lvl="0" indent="0" algn="ctr" rtl="0">
-              <a:spcBef>
-                <a:spcPts val="0"/>
-              </a:spcBef>
-              <a:spcAft>
-                <a:spcPts val="0"/>
-              </a:spcAft>
-              <a:buNone/>
-            </a:pPr>
-            <a:r>
-              <a:rPr lang="es-CL" sz="2800" b="1" i="0" u="none" strike="noStrike" cap="none" dirty="0" err="1">
-                <a:solidFill>
-                  <a:srgbClr val="262626"/>
-                </a:solidFill>
-                <a:latin typeface="Corbel"/>
-                <a:ea typeface="Corbel"/>
-                <a:cs typeface="Corbel"/>
-                <a:sym typeface="Corbel"/>
-              </a:rPr>
-              <a:t>Tailwind</a:t>
-            </a:r>
-            <a:r>
-              <a:rPr lang="es-CL" sz="2800" b="1" i="0" u="none" strike="noStrike" cap="none" dirty="0">
-                <a:solidFill>
-                  <a:srgbClr val="262626"/>
-                </a:solidFill>
-                <a:latin typeface="Corbel"/>
-                <a:ea typeface="Corbel"/>
-                <a:cs typeface="Corbel"/>
-                <a:sym typeface="Corbel"/>
-              </a:rPr>
-              <a:t> CSS</a:t>
-            </a:r>
-            <a:endParaRPr dirty="0"/>
-          </a:p>
-        </p:txBody>
-      </p:sp>
-      <p:sp>
-        <p:nvSpPr>
-          <p:cNvPr id="178" name="Google Shape;178;p8"/>
-          <p:cNvSpPr/>
-          <p:nvPr/>
-        </p:nvSpPr>
-        <p:spPr>
-          <a:xfrm>
-            <a:off x="6874897" y="5576162"/>
-            <a:ext cx="889442" cy="523220"/>
-          </a:xfrm>
-          <a:prstGeom prst="rect">
-            <a:avLst/>
-          </a:prstGeom>
-          <a:noFill/>
-          <a:ln>
-            <a:noFill/>
-          </a:ln>
-        </p:spPr>
-        <p:txBody>
-          <a:bodyPr spcFirstLastPara="1" wrap="square" lIns="91425" tIns="45700" rIns="91425" bIns="45700" anchor="t" anchorCtr="0">
-            <a:spAutoFit/>
-          </a:bodyPr>
-          <a:lstStyle/>
-          <a:p>
-            <a:pPr marL="0" marR="0" lvl="0" indent="0" algn="ctr" rtl="0">
-              <a:spcBef>
-                <a:spcPts val="0"/>
-              </a:spcBef>
-              <a:spcAft>
-                <a:spcPts val="0"/>
-              </a:spcAft>
-              <a:buNone/>
-            </a:pPr>
-            <a:r>
-              <a:rPr lang="es-CL" sz="2800" b="1" i="0" u="none" strike="noStrike" cap="none" dirty="0">
-                <a:solidFill>
-                  <a:srgbClr val="262626"/>
-                </a:solidFill>
-                <a:latin typeface="Corbel"/>
-                <a:ea typeface="Corbel"/>
-                <a:cs typeface="Corbel"/>
-                <a:sym typeface="Corbel"/>
-              </a:rPr>
-              <a:t>GIT</a:t>
-            </a:r>
-            <a:endParaRPr dirty="0"/>
-          </a:p>
-        </p:txBody>
-      </p:sp>
-      <p:pic>
-        <p:nvPicPr>
-          <p:cNvPr id="179" name="Google Shape;179;p8" descr="A logo for a school&#10;&#10;Description automatically generated"/>
-          <p:cNvPicPr preferRelativeResize="0"/>
-          <p:nvPr/>
-        </p:nvPicPr>
-        <p:blipFill rotWithShape="1">
-          <a:blip r:embed="rId10">
-            <a:alphaModFix/>
-          </a:blip>
-          <a:srcRect/>
-          <a:stretch/>
-        </p:blipFill>
-        <p:spPr>
-          <a:xfrm>
-            <a:off x="136188" y="-8598"/>
-            <a:ext cx="975859" cy="1001500"/>
-          </a:xfrm>
-          <a:prstGeom prst="rect">
-            <a:avLst/>
-          </a:prstGeom>
-          <a:noFill/>
-          <a:ln>
-            <a:noFill/>
-          </a:ln>
-        </p:spPr>
-      </p:pic>
-      <p:pic>
-        <p:nvPicPr>
-          <p:cNvPr id="180" name="Google Shape;180;p8" descr="Transforming AI with LangChain: A Text Data Game Changer - KDnuggets"/>
-          <p:cNvPicPr preferRelativeResize="0"/>
-          <p:nvPr/>
-        </p:nvPicPr>
-        <p:blipFill rotWithShape="1">
-          <a:blip r:embed="rId11">
-            <a:alphaModFix/>
-          </a:blip>
-          <a:srcRect/>
-          <a:stretch/>
-        </p:blipFill>
-        <p:spPr>
-          <a:xfrm>
-            <a:off x="624117" y="4389260"/>
-            <a:ext cx="5308747" cy="1866356"/>
-          </a:xfrm>
-          <a:prstGeom prst="rect">
-            <a:avLst/>
-          </a:prstGeom>
-          <a:noFill/>
-          <a:ln>
-            <a:noFill/>
-          </a:ln>
-        </p:spPr>
-      </p:pic>
     </p:spTree>
   </p:cSld>
   <p:clrMapOvr>

--- a/Fase 2/Presentación Proyecto (1) (1).pptx
+++ b/Fase 2/Presentación Proyecto (1) (1).pptx
@@ -14,34 +14,41 @@
     <p:sldId id="259" r:id="rId5"/>
     <p:sldId id="260" r:id="rId6"/>
     <p:sldId id="261" r:id="rId7"/>
-    <p:sldId id="262" r:id="rId8"/>
-    <p:sldId id="263" r:id="rId9"/>
-    <p:sldId id="264" r:id="rId10"/>
-    <p:sldId id="265" r:id="rId11"/>
-    <p:sldId id="266" r:id="rId12"/>
-    <p:sldId id="268" r:id="rId13"/>
+    <p:sldId id="272" r:id="rId8"/>
+    <p:sldId id="265" r:id="rId9"/>
+    <p:sldId id="262" r:id="rId10"/>
+    <p:sldId id="269" r:id="rId11"/>
+    <p:sldId id="270" r:id="rId12"/>
+    <p:sldId id="271" r:id="rId13"/>
     <p:sldId id="267" r:id="rId14"/>
   </p:sldIdLst>
   <p:sldSz cx="12192000" cy="6858000"/>
   <p:notesSz cx="6858000" cy="9144000"/>
   <p:embeddedFontLst>
     <p:embeddedFont>
-      <p:font typeface="Corbel" panose="020B0503020204020204" pitchFamily="34" charset="0"/>
+      <p:font typeface="Consolas" panose="020B0609020204030204" pitchFamily="49" charset="0"/>
       <p:regular r:id="rId16"/>
       <p:bold r:id="rId17"/>
       <p:italic r:id="rId18"/>
       <p:boldItalic r:id="rId19"/>
     </p:embeddedFont>
     <p:embeddedFont>
-      <p:font typeface="Trebuchet MS" panose="020B0603020202020204" pitchFamily="34" charset="0"/>
+      <p:font typeface="Corbel" panose="020B0503020204020204" pitchFamily="34" charset="0"/>
       <p:regular r:id="rId20"/>
       <p:bold r:id="rId21"/>
       <p:italic r:id="rId22"/>
       <p:boldItalic r:id="rId23"/>
     </p:embeddedFont>
     <p:embeddedFont>
+      <p:font typeface="Trebuchet MS" panose="020B0603020202020204" pitchFamily="34" charset="0"/>
+      <p:regular r:id="rId24"/>
+      <p:bold r:id="rId25"/>
+      <p:italic r:id="rId26"/>
+      <p:boldItalic r:id="rId27"/>
+    </p:embeddedFont>
+    <p:embeddedFont>
       <p:font typeface="Wingdings 3" panose="05040102010807070707" pitchFamily="18" charset="2"/>
-      <p:regular r:id="rId24"/>
+      <p:regular r:id="rId28"/>
     </p:embeddedFont>
   </p:embeddedFontLst>
   <p:defaultTextStyle>
@@ -144,7 +151,7 @@
       <p15:sldGuideLst xmlns:p15="http://schemas.microsoft.com/office/powerpoint/2012/main"/>
     </p:ext>
     <p:ext uri="GoogleSlidesCustomDataVersion2">
-      <go:slidesCustomData xmlns:go="http://customooxmlschemas.google.com/" xmlns:ahyp="http://schemas.microsoft.com/office/drawing/2018/hyperlinkcolor" xmlns:p15="http://schemas.microsoft.com/office/powerpoint/2012/main" xmlns:p14="http://schemas.microsoft.com/office/powerpoint/2010/main" xmlns:com="http://schemas.openxmlformats.org/drawingml/2006/compatibility" xmlns:pvml="urn:schemas-microsoft-com:office:powerpoint" xmlns:v="urn:schemas-microsoft-com:vml" xmlns:o="urn:schemas-microsoft-com:office:office" xmlns:dgm="http://schemas.openxmlformats.org/drawingml/2006/diagram" xmlns:c="http://schemas.openxmlformats.org/drawingml/2006/chart" xmlns:mv="urn:schemas-microsoft-com:mac:vml" xmlns:mc="http://schemas.openxmlformats.org/markup-compatibility/2006" xmlns="" r:id="rId25" roundtripDataSignature="AMtx7mi2vDnV5HLHD661o8ugFoUjwzH33w=="/>
+      <go:slidesCustomData xmlns="" xmlns:mc="http://schemas.openxmlformats.org/markup-compatibility/2006" xmlns:mv="urn:schemas-microsoft-com:mac:vml" xmlns:c="http://schemas.openxmlformats.org/drawingml/2006/chart" xmlns:dgm="http://schemas.openxmlformats.org/drawingml/2006/diagram" xmlns:o="urn:schemas-microsoft-com:office:office" xmlns:v="urn:schemas-microsoft-com:vml" xmlns:pvml="urn:schemas-microsoft-com:office:powerpoint" xmlns:com="http://schemas.openxmlformats.org/drawingml/2006/compatibility" xmlns:p14="http://schemas.microsoft.com/office/powerpoint/2010/main" xmlns:p15="http://schemas.microsoft.com/office/powerpoint/2012/main" xmlns:ahyp="http://schemas.microsoft.com/office/drawing/2018/hyperlinkcolor" xmlns:go="http://customooxmlschemas.google.com/" r:id="rId29" roundtripDataSignature="AMtx7mi2vDnV5HLHD661o8ugFoUjwzH33w=="/>
     </p:ext>
   </p:extLst>
 </p:presentation>
@@ -1094,7 +1101,7 @@
                 <a:cs typeface="Arial"/>
                 <a:sym typeface="Arial"/>
               </a:rPr>
-              <a:t>‹#›</a:t>
+              <a:t>‹Nº›</a:t>
             </a:fld>
             <a:endParaRPr sz="1200" b="0" i="0" u="none" strike="noStrike" cap="none">
               <a:solidFill>
@@ -1452,7 +1459,13 @@
   <p:cSld>
     <p:spTree>
       <p:nvGrpSpPr>
-        <p:cNvPr id="1" name="Shape 189"/>
+        <p:cNvPr id="1" name="Shape 198">
+          <a:extLst>
+            <a:ext uri="{FF2B5EF4-FFF2-40B4-BE49-F238E27FC236}">
+              <a16:creationId xmlns:a16="http://schemas.microsoft.com/office/drawing/2014/main" id="{EEAB5579-EF23-F141-6DFD-0910BC78DA83}"/>
+            </a:ext>
+          </a:extLst>
+        </p:cNvPr>
         <p:cNvGrpSpPr/>
         <p:nvPr/>
       </p:nvGrpSpPr>
@@ -1466,7 +1479,13 @@
       </p:grpSpPr>
       <p:sp>
         <p:nvSpPr>
-          <p:cNvPr id="190" name="Google Shape;190;p10:notes"/>
+          <p:cNvPr id="199" name="Google Shape;199;p11:notes">
+            <a:extLst>
+              <a:ext uri="{FF2B5EF4-FFF2-40B4-BE49-F238E27FC236}">
+                <a16:creationId xmlns:a16="http://schemas.microsoft.com/office/drawing/2014/main" id="{D814660B-CDB1-FFCE-6D1C-B4BE049D65E6}"/>
+              </a:ext>
+            </a:extLst>
+          </p:cNvPr>
           <p:cNvSpPr txBox="1">
             <a:spLocks noGrp="1"/>
           </p:cNvSpPr>
@@ -1504,7 +1523,13 @@
       </p:sp>
       <p:sp>
         <p:nvSpPr>
-          <p:cNvPr id="191" name="Google Shape;191;p10:notes"/>
+          <p:cNvPr id="200" name="Google Shape;200;p11:notes">
+            <a:extLst>
+              <a:ext uri="{FF2B5EF4-FFF2-40B4-BE49-F238E27FC236}">
+                <a16:creationId xmlns:a16="http://schemas.microsoft.com/office/drawing/2014/main" id="{CDB4E0E3-E828-0E85-64DA-0ACACE45A597}"/>
+              </a:ext>
+            </a:extLst>
+          </p:cNvPr>
           <p:cNvSpPr>
             <a:spLocks noGrp="1" noRot="1" noChangeAspect="1"/>
           </p:cNvSpPr>
@@ -1544,6 +1569,11 @@
         </p:spPr>
       </p:sp>
     </p:spTree>
+    <p:extLst>
+      <p:ext uri="{BB962C8B-B14F-4D97-AF65-F5344CB8AC3E}">
+        <p14:creationId xmlns:p14="http://schemas.microsoft.com/office/powerpoint/2010/main" val="3920554944"/>
+      </p:ext>
+    </p:extLst>
   </p:cSld>
   <p:clrMapOvr>
     <a:masterClrMapping/>
@@ -1556,7 +1586,13 @@
   <p:cSld>
     <p:spTree>
       <p:nvGrpSpPr>
-        <p:cNvPr id="1" name="Shape 198"/>
+        <p:cNvPr id="1" name="Shape 198">
+          <a:extLst>
+            <a:ext uri="{FF2B5EF4-FFF2-40B4-BE49-F238E27FC236}">
+              <a16:creationId xmlns:a16="http://schemas.microsoft.com/office/drawing/2014/main" id="{C7E09446-9D6A-0F5D-D187-17810A791684}"/>
+            </a:ext>
+          </a:extLst>
+        </p:cNvPr>
         <p:cNvGrpSpPr/>
         <p:nvPr/>
       </p:nvGrpSpPr>
@@ -1570,7 +1606,13 @@
       </p:grpSpPr>
       <p:sp>
         <p:nvSpPr>
-          <p:cNvPr id="199" name="Google Shape;199;p11:notes"/>
+          <p:cNvPr id="199" name="Google Shape;199;p11:notes">
+            <a:extLst>
+              <a:ext uri="{FF2B5EF4-FFF2-40B4-BE49-F238E27FC236}">
+                <a16:creationId xmlns:a16="http://schemas.microsoft.com/office/drawing/2014/main" id="{DFD08ABC-FB45-C068-44C1-7BF45A0624D6}"/>
+              </a:ext>
+            </a:extLst>
+          </p:cNvPr>
           <p:cNvSpPr txBox="1">
             <a:spLocks noGrp="1"/>
           </p:cNvSpPr>
@@ -1608,7 +1650,13 @@
       </p:sp>
       <p:sp>
         <p:nvSpPr>
-          <p:cNvPr id="200" name="Google Shape;200;p11:notes"/>
+          <p:cNvPr id="200" name="Google Shape;200;p11:notes">
+            <a:extLst>
+              <a:ext uri="{FF2B5EF4-FFF2-40B4-BE49-F238E27FC236}">
+                <a16:creationId xmlns:a16="http://schemas.microsoft.com/office/drawing/2014/main" id="{B2745B3F-57CB-C563-54F1-B517A46D01EC}"/>
+              </a:ext>
+            </a:extLst>
+          </p:cNvPr>
           <p:cNvSpPr>
             <a:spLocks noGrp="1" noRot="1" noChangeAspect="1"/>
           </p:cNvSpPr>
@@ -1648,6 +1696,11 @@
         </p:spPr>
       </p:sp>
     </p:spTree>
+    <p:extLst>
+      <p:ext uri="{BB962C8B-B14F-4D97-AF65-F5344CB8AC3E}">
+        <p14:creationId xmlns:p14="http://schemas.microsoft.com/office/powerpoint/2010/main" val="3264029971"/>
+      </p:ext>
+    </p:extLst>
   </p:cSld>
   <p:clrMapOvr>
     <a:masterClrMapping/>
@@ -1660,7 +1713,13 @@
   <p:cSld>
     <p:spTree>
       <p:nvGrpSpPr>
-        <p:cNvPr id="1" name="Shape 198"/>
+        <p:cNvPr id="1" name="Shape 198">
+          <a:extLst>
+            <a:ext uri="{FF2B5EF4-FFF2-40B4-BE49-F238E27FC236}">
+              <a16:creationId xmlns:a16="http://schemas.microsoft.com/office/drawing/2014/main" id="{A2FDFC61-50C8-708A-0C2D-E9FD43896D51}"/>
+            </a:ext>
+          </a:extLst>
+        </p:cNvPr>
         <p:cNvGrpSpPr/>
         <p:nvPr/>
       </p:nvGrpSpPr>
@@ -1674,7 +1733,13 @@
       </p:grpSpPr>
       <p:sp>
         <p:nvSpPr>
-          <p:cNvPr id="199" name="Google Shape;199;p11:notes"/>
+          <p:cNvPr id="199" name="Google Shape;199;p11:notes">
+            <a:extLst>
+              <a:ext uri="{FF2B5EF4-FFF2-40B4-BE49-F238E27FC236}">
+                <a16:creationId xmlns:a16="http://schemas.microsoft.com/office/drawing/2014/main" id="{9DD2DE4C-1ED8-E60F-1756-E606A38298CA}"/>
+              </a:ext>
+            </a:extLst>
+          </p:cNvPr>
           <p:cNvSpPr txBox="1">
             <a:spLocks noGrp="1"/>
           </p:cNvSpPr>
@@ -1712,7 +1777,13 @@
       </p:sp>
       <p:sp>
         <p:nvSpPr>
-          <p:cNvPr id="200" name="Google Shape;200;p11:notes"/>
+          <p:cNvPr id="200" name="Google Shape;200;p11:notes">
+            <a:extLst>
+              <a:ext uri="{FF2B5EF4-FFF2-40B4-BE49-F238E27FC236}">
+                <a16:creationId xmlns:a16="http://schemas.microsoft.com/office/drawing/2014/main" id="{02741041-91D0-E711-9351-DF51F899A91C}"/>
+              </a:ext>
+            </a:extLst>
+          </p:cNvPr>
           <p:cNvSpPr>
             <a:spLocks noGrp="1" noRot="1" noChangeAspect="1"/>
           </p:cNvSpPr>
@@ -1754,7 +1825,7 @@
     </p:spTree>
     <p:extLst>
       <p:ext uri="{BB962C8B-B14F-4D97-AF65-F5344CB8AC3E}">
-        <p14:creationId xmlns:p14="http://schemas.microsoft.com/office/powerpoint/2010/main" val="4201949121"/>
+        <p14:creationId xmlns:p14="http://schemas.microsoft.com/office/powerpoint/2010/main" val="2003112082"/>
       </p:ext>
     </p:extLst>
   </p:cSld>
@@ -2480,10 +2551,10 @@
               <a:buNone/>
             </a:pPr>
             <a:r>
-              <a:rPr lang="es-CL"/>
+              <a:rPr lang="es-CL" dirty="0"/>
               <a:t>Alcance, que hace?</a:t>
             </a:r>
-            <a:endParaRPr/>
+            <a:endParaRPr dirty="0"/>
           </a:p>
         </p:txBody>
       </p:sp>
@@ -2678,7 +2749,13 @@
   <p:cSld>
     <p:spTree>
       <p:nvGrpSpPr>
-        <p:cNvPr id="1" name="Shape 153"/>
+        <p:cNvPr id="1" name="Shape 143">
+          <a:extLst>
+            <a:ext uri="{FF2B5EF4-FFF2-40B4-BE49-F238E27FC236}">
+              <a16:creationId xmlns:a16="http://schemas.microsoft.com/office/drawing/2014/main" id="{A0CC9D46-36B5-3710-1AF1-E61D40D1FF65}"/>
+            </a:ext>
+          </a:extLst>
+        </p:cNvPr>
         <p:cNvGrpSpPr/>
         <p:nvPr/>
       </p:nvGrpSpPr>
@@ -2692,111 +2769,13 @@
       </p:grpSpPr>
       <p:sp>
         <p:nvSpPr>
-          <p:cNvPr id="154" name="Google Shape;154;p7:notes"/>
-          <p:cNvSpPr txBox="1">
-            <a:spLocks noGrp="1"/>
-          </p:cNvSpPr>
-          <p:nvPr>
-            <p:ph type="body" idx="1"/>
-          </p:nvPr>
-        </p:nvSpPr>
-        <p:spPr>
-          <a:xfrm>
-            <a:off x="685800" y="4400550"/>
-            <a:ext cx="5486400" cy="3600450"/>
-          </a:xfrm>
-          <a:prstGeom prst="rect">
-            <a:avLst/>
-          </a:prstGeom>
-        </p:spPr>
-        <p:txBody>
-          <a:bodyPr spcFirstLastPara="1" wrap="square" lIns="91425" tIns="45700" rIns="91425" bIns="45700" anchor="t" anchorCtr="0">
-            <a:noAutofit/>
-          </a:bodyPr>
-          <a:lstStyle/>
-          <a:p>
-            <a:pPr marL="0" lvl="0" indent="0" algn="l" rtl="0">
-              <a:spcBef>
-                <a:spcPts val="0"/>
-              </a:spcBef>
-              <a:spcAft>
-                <a:spcPts val="0"/>
-              </a:spcAft>
-              <a:buNone/>
-            </a:pPr>
-            <a:endParaRPr/>
-          </a:p>
-        </p:txBody>
-      </p:sp>
-      <p:sp>
-        <p:nvSpPr>
-          <p:cNvPr id="155" name="Google Shape;155;p7:notes"/>
-          <p:cNvSpPr>
-            <a:spLocks noGrp="1" noRot="1" noChangeAspect="1"/>
-          </p:cNvSpPr>
-          <p:nvPr>
-            <p:ph type="sldImg" idx="2"/>
-          </p:nvPr>
-        </p:nvSpPr>
-        <p:spPr>
-          <a:xfrm>
-            <a:off x="685800" y="1143000"/>
-            <a:ext cx="5486400" cy="3086100"/>
-          </a:xfrm>
-          <a:custGeom>
-            <a:avLst/>
-            <a:gdLst/>
-            <a:ahLst/>
-            <a:cxnLst/>
-            <a:rect l="l" t="t" r="r" b="b"/>
-            <a:pathLst>
-              <a:path w="120000" h="120000" extrusionOk="0">
-                <a:moveTo>
-                  <a:pt x="0" y="0"/>
-                </a:moveTo>
-                <a:lnTo>
-                  <a:pt x="120000" y="0"/>
-                </a:lnTo>
-                <a:lnTo>
-                  <a:pt x="120000" y="120000"/>
-                </a:lnTo>
-                <a:lnTo>
-                  <a:pt x="0" y="120000"/>
-                </a:lnTo>
-                <a:close/>
-              </a:path>
-            </a:pathLst>
-          </a:custGeom>
-        </p:spPr>
-      </p:sp>
-    </p:spTree>
-  </p:cSld>
-  <p:clrMapOvr>
-    <a:masterClrMapping/>
-  </p:clrMapOvr>
-</p:notes>
-</file>
-
-<file path=ppt/notesSlides/notesSlide8.xml><?xml version="1.0" encoding="utf-8"?>
-<p:notes xmlns:a="http://schemas.openxmlformats.org/drawingml/2006/main" xmlns:r="http://schemas.openxmlformats.org/officeDocument/2006/relationships" xmlns:p="http://schemas.openxmlformats.org/presentationml/2006/main" showMasterSp="0" showMasterPhAnim="0">
-  <p:cSld>
-    <p:spTree>
-      <p:nvGrpSpPr>
-        <p:cNvPr id="1" name="Shape 162"/>
-        <p:cNvGrpSpPr/>
-        <p:nvPr/>
-      </p:nvGrpSpPr>
-      <p:grpSpPr>
-        <a:xfrm>
-          <a:off x="0" y="0"/>
-          <a:ext cx="0" cy="0"/>
-          <a:chOff x="0" y="0"/>
-          <a:chExt cx="0" cy="0"/>
-        </a:xfrm>
-      </p:grpSpPr>
-      <p:sp>
-        <p:nvSpPr>
-          <p:cNvPr id="163" name="Google Shape;163;p8:notes"/>
+          <p:cNvPr id="144" name="Google Shape;144;p6:notes">
+            <a:extLst>
+              <a:ext uri="{FF2B5EF4-FFF2-40B4-BE49-F238E27FC236}">
+                <a16:creationId xmlns:a16="http://schemas.microsoft.com/office/drawing/2014/main" id="{CD738C49-1540-3AAB-A5A0-9D2ABA38D3AF}"/>
+              </a:ext>
+            </a:extLst>
+          </p:cNvPr>
           <p:cNvSpPr txBox="1">
             <a:spLocks noGrp="1"/>
           </p:cNvSpPr>
@@ -2837,13 +2816,23 @@
               <a:buFont typeface="Arial"/>
               <a:buNone/>
             </a:pPr>
+            <a:r>
+              <a:rPr lang="es-CL"/>
+              <a:t>PONER CRONOLOGIA</a:t>
+            </a:r>
             <a:endParaRPr/>
           </a:p>
         </p:txBody>
       </p:sp>
       <p:sp>
         <p:nvSpPr>
-          <p:cNvPr id="164" name="Google Shape;164;p8:notes"/>
+          <p:cNvPr id="145" name="Google Shape;145;p6:notes">
+            <a:extLst>
+              <a:ext uri="{FF2B5EF4-FFF2-40B4-BE49-F238E27FC236}">
+                <a16:creationId xmlns:a16="http://schemas.microsoft.com/office/drawing/2014/main" id="{3F3377B5-1168-E3BB-36BE-4E9D27B899AE}"/>
+              </a:ext>
+            </a:extLst>
+          </p:cNvPr>
           <p:cNvSpPr>
             <a:spLocks noGrp="1" noRot="1" noChangeAspect="1"/>
           </p:cNvSpPr>
@@ -2893,6 +2882,11 @@
         </p:spPr>
       </p:sp>
     </p:spTree>
+    <p:extLst>
+      <p:ext uri="{BB962C8B-B14F-4D97-AF65-F5344CB8AC3E}">
+        <p14:creationId xmlns:p14="http://schemas.microsoft.com/office/powerpoint/2010/main" val="3211734734"/>
+      </p:ext>
+    </p:extLst>
   </p:cSld>
   <p:clrMapOvr>
     <a:masterClrMapping/>
@@ -2900,12 +2894,12 @@
 </p:notes>
 </file>
 
-<file path=ppt/notesSlides/notesSlide9.xml><?xml version="1.0" encoding="utf-8"?>
+<file path=ppt/notesSlides/notesSlide8.xml><?xml version="1.0" encoding="utf-8"?>
 <p:notes xmlns:a="http://schemas.openxmlformats.org/drawingml/2006/main" xmlns:r="http://schemas.openxmlformats.org/officeDocument/2006/relationships" xmlns:p="http://schemas.openxmlformats.org/presentationml/2006/main" showMasterSp="0" showMasterPhAnim="0">
   <p:cSld>
     <p:spTree>
       <p:nvGrpSpPr>
-        <p:cNvPr id="1" name="Shape 181"/>
+        <p:cNvPr id="1" name="Shape 189"/>
         <p:cNvGrpSpPr/>
         <p:nvPr/>
       </p:nvGrpSpPr>
@@ -2919,7 +2913,7 @@
       </p:grpSpPr>
       <p:sp>
         <p:nvSpPr>
-          <p:cNvPr id="182" name="Google Shape;182;p9:notes"/>
+          <p:cNvPr id="190" name="Google Shape;190;p10:notes"/>
           <p:cNvSpPr txBox="1">
             <a:spLocks noGrp="1"/>
           </p:cNvSpPr>
@@ -2957,7 +2951,111 @@
       </p:sp>
       <p:sp>
         <p:nvSpPr>
-          <p:cNvPr id="183" name="Google Shape;183;p9:notes"/>
+          <p:cNvPr id="191" name="Google Shape;191;p10:notes"/>
+          <p:cNvSpPr>
+            <a:spLocks noGrp="1" noRot="1" noChangeAspect="1"/>
+          </p:cNvSpPr>
+          <p:nvPr>
+            <p:ph type="sldImg" idx="2"/>
+          </p:nvPr>
+        </p:nvSpPr>
+        <p:spPr>
+          <a:xfrm>
+            <a:off x="685800" y="1143000"/>
+            <a:ext cx="5486400" cy="3086100"/>
+          </a:xfrm>
+          <a:custGeom>
+            <a:avLst/>
+            <a:gdLst/>
+            <a:ahLst/>
+            <a:cxnLst/>
+            <a:rect l="l" t="t" r="r" b="b"/>
+            <a:pathLst>
+              <a:path w="120000" h="120000" extrusionOk="0">
+                <a:moveTo>
+                  <a:pt x="0" y="0"/>
+                </a:moveTo>
+                <a:lnTo>
+                  <a:pt x="120000" y="0"/>
+                </a:lnTo>
+                <a:lnTo>
+                  <a:pt x="120000" y="120000"/>
+                </a:lnTo>
+                <a:lnTo>
+                  <a:pt x="0" y="120000"/>
+                </a:lnTo>
+                <a:close/>
+              </a:path>
+            </a:pathLst>
+          </a:custGeom>
+        </p:spPr>
+      </p:sp>
+    </p:spTree>
+  </p:cSld>
+  <p:clrMapOvr>
+    <a:masterClrMapping/>
+  </p:clrMapOvr>
+</p:notes>
+</file>
+
+<file path=ppt/notesSlides/notesSlide9.xml><?xml version="1.0" encoding="utf-8"?>
+<p:notes xmlns:a="http://schemas.openxmlformats.org/drawingml/2006/main" xmlns:r="http://schemas.openxmlformats.org/officeDocument/2006/relationships" xmlns:p="http://schemas.openxmlformats.org/presentationml/2006/main" showMasterSp="0" showMasterPhAnim="0">
+  <p:cSld>
+    <p:spTree>
+      <p:nvGrpSpPr>
+        <p:cNvPr id="1" name="Shape 153"/>
+        <p:cNvGrpSpPr/>
+        <p:nvPr/>
+      </p:nvGrpSpPr>
+      <p:grpSpPr>
+        <a:xfrm>
+          <a:off x="0" y="0"/>
+          <a:ext cx="0" cy="0"/>
+          <a:chOff x="0" y="0"/>
+          <a:chExt cx="0" cy="0"/>
+        </a:xfrm>
+      </p:grpSpPr>
+      <p:sp>
+        <p:nvSpPr>
+          <p:cNvPr id="154" name="Google Shape;154;p7:notes"/>
+          <p:cNvSpPr txBox="1">
+            <a:spLocks noGrp="1"/>
+          </p:cNvSpPr>
+          <p:nvPr>
+            <p:ph type="body" idx="1"/>
+          </p:nvPr>
+        </p:nvSpPr>
+        <p:spPr>
+          <a:xfrm>
+            <a:off x="685800" y="4400550"/>
+            <a:ext cx="5486400" cy="3600450"/>
+          </a:xfrm>
+          <a:prstGeom prst="rect">
+            <a:avLst/>
+          </a:prstGeom>
+        </p:spPr>
+        <p:txBody>
+          <a:bodyPr spcFirstLastPara="1" wrap="square" lIns="91425" tIns="45700" rIns="91425" bIns="45700" anchor="t" anchorCtr="0">
+            <a:noAutofit/>
+          </a:bodyPr>
+          <a:lstStyle/>
+          <a:p>
+            <a:pPr marL="0" lvl="0" indent="0" algn="l" rtl="0">
+              <a:spcBef>
+                <a:spcPts val="0"/>
+              </a:spcBef>
+              <a:spcAft>
+                <a:spcPts val="0"/>
+              </a:spcAft>
+              <a:buNone/>
+            </a:pPr>
+            <a:endParaRPr/>
+          </a:p>
+        </p:txBody>
+      </p:sp>
+      <p:sp>
+        <p:nvSpPr>
+          <p:cNvPr id="155" name="Google Shape;155;p7:notes"/>
           <p:cNvSpPr>
             <a:spLocks noGrp="1" noRot="1" noChangeAspect="1"/>
           </p:cNvSpPr>
@@ -3796,7 +3894,7 @@
             </a:pPr>
             <a:fld id="{00000000-1234-1234-1234-123412341234}" type="slidenum">
               <a:rPr lang="es-CL" smtClean="0"/>
-              <a:t>‹#›</a:t>
+              <a:t>‹Nº›</a:t>
             </a:fld>
             <a:endParaRPr lang="es-CL"/>
           </a:p>
@@ -4053,7 +4151,7 @@
             </a:pPr>
             <a:fld id="{00000000-1234-1234-1234-123412341234}" type="slidenum">
               <a:rPr lang="es-CL" smtClean="0"/>
-              <a:t>‹#›</a:t>
+              <a:t>‹Nº›</a:t>
             </a:fld>
             <a:endParaRPr lang="es-CL"/>
           </a:p>
@@ -4373,7 +4471,7 @@
             </a:pPr>
             <a:fld id="{00000000-1234-1234-1234-123412341234}" type="slidenum">
               <a:rPr lang="es-CL" smtClean="0"/>
-              <a:t>‹#›</a:t>
+              <a:t>‹Nº›</a:t>
             </a:fld>
             <a:endParaRPr lang="es-CL"/>
           </a:p>
@@ -4712,7 +4810,7 @@
             </a:pPr>
             <a:fld id="{00000000-1234-1234-1234-123412341234}" type="slidenum">
               <a:rPr lang="es-CL" smtClean="0"/>
-              <a:t>‹#›</a:t>
+              <a:t>‹Nº›</a:t>
             </a:fld>
             <a:endParaRPr lang="es-CL"/>
           </a:p>
@@ -5032,7 +5130,7 @@
             </a:pPr>
             <a:fld id="{00000000-1234-1234-1234-123412341234}" type="slidenum">
               <a:rPr lang="es-CL" smtClean="0"/>
-              <a:t>‹#›</a:t>
+              <a:t>‹Nº›</a:t>
             </a:fld>
             <a:endParaRPr lang="es-CL"/>
           </a:p>
@@ -5431,7 +5529,7 @@
             </a:pPr>
             <a:fld id="{00000000-1234-1234-1234-123412341234}" type="slidenum">
               <a:rPr lang="es-CL" smtClean="0"/>
-              <a:t>‹#›</a:t>
+              <a:t>‹Nº›</a:t>
             </a:fld>
             <a:endParaRPr lang="es-CL"/>
           </a:p>
@@ -5607,7 +5705,7 @@
             </a:pPr>
             <a:fld id="{00000000-1234-1234-1234-123412341234}" type="slidenum">
               <a:rPr lang="es-CL" smtClean="0"/>
-              <a:t>‹#›</a:t>
+              <a:t>‹Nº›</a:t>
             </a:fld>
             <a:endParaRPr lang="es-CL"/>
           </a:p>
@@ -5793,7 +5891,7 @@
             </a:pPr>
             <a:fld id="{00000000-1234-1234-1234-123412341234}" type="slidenum">
               <a:rPr lang="es-CL" smtClean="0"/>
-              <a:t>‹#›</a:t>
+              <a:t>‹Nº›</a:t>
             </a:fld>
             <a:endParaRPr lang="es-CL"/>
           </a:p>
@@ -5969,7 +6067,7 @@
             </a:pPr>
             <a:fld id="{00000000-1234-1234-1234-123412341234}" type="slidenum">
               <a:rPr lang="es-CL" smtClean="0"/>
-              <a:t>‹#›</a:t>
+              <a:t>‹Nº›</a:t>
             </a:fld>
             <a:endParaRPr lang="es-CL"/>
           </a:p>
@@ -6222,7 +6320,7 @@
             </a:pPr>
             <a:fld id="{00000000-1234-1234-1234-123412341234}" type="slidenum">
               <a:rPr lang="es-CL" smtClean="0"/>
-              <a:t>‹#›</a:t>
+              <a:t>‹Nº›</a:t>
             </a:fld>
             <a:endParaRPr lang="es-CL"/>
           </a:p>
@@ -6460,7 +6558,7 @@
             </a:pPr>
             <a:fld id="{00000000-1234-1234-1234-123412341234}" type="slidenum">
               <a:rPr lang="es-CL" smtClean="0"/>
-              <a:t>‹#›</a:t>
+              <a:t>‹Nº›</a:t>
             </a:fld>
             <a:endParaRPr lang="es-CL"/>
           </a:p>
@@ -6840,7 +6938,7 @@
             </a:pPr>
             <a:fld id="{00000000-1234-1234-1234-123412341234}" type="slidenum">
               <a:rPr lang="es-CL" smtClean="0"/>
-              <a:t>‹#›</a:t>
+              <a:t>‹Nº›</a:t>
             </a:fld>
             <a:endParaRPr lang="es-CL"/>
           </a:p>
@@ -6969,7 +7067,7 @@
             </a:pPr>
             <a:fld id="{00000000-1234-1234-1234-123412341234}" type="slidenum">
               <a:rPr lang="es-CL" smtClean="0"/>
-              <a:t>‹#›</a:t>
+              <a:t>‹Nº›</a:t>
             </a:fld>
             <a:endParaRPr lang="es-CL"/>
           </a:p>
@@ -7070,7 +7168,7 @@
             </a:pPr>
             <a:fld id="{00000000-1234-1234-1234-123412341234}" type="slidenum">
               <a:rPr lang="es-CL" smtClean="0"/>
-              <a:t>‹#›</a:t>
+              <a:t>‹Nº›</a:t>
             </a:fld>
             <a:endParaRPr lang="es-CL"/>
           </a:p>
@@ -7331,7 +7429,7 @@
             </a:pPr>
             <a:fld id="{00000000-1234-1234-1234-123412341234}" type="slidenum">
               <a:rPr lang="es-CL" smtClean="0"/>
-              <a:t>‹#›</a:t>
+              <a:t>‹Nº›</a:t>
             </a:fld>
             <a:endParaRPr lang="es-CL"/>
           </a:p>
@@ -7581,7 +7679,7 @@
             </a:pPr>
             <a:fld id="{00000000-1234-1234-1234-123412341234}" type="slidenum">
               <a:rPr lang="es-CL" smtClean="0"/>
-              <a:t>‹#›</a:t>
+              <a:t>‹Nº›</a:t>
             </a:fld>
             <a:endParaRPr lang="es-CL"/>
           </a:p>
@@ -8384,7 +8482,7 @@
             </a:pPr>
             <a:fld id="{00000000-1234-1234-1234-123412341234}" type="slidenum">
               <a:rPr lang="es-CL" smtClean="0"/>
-              <a:t>‹#›</a:t>
+              <a:t>‹Nº›</a:t>
             </a:fld>
             <a:endParaRPr lang="es-CL"/>
           </a:p>
@@ -8974,7 +9072,13 @@
   <p:cSld>
     <p:spTree>
       <p:nvGrpSpPr>
-        <p:cNvPr id="1" name="Shape 192"/>
+        <p:cNvPr id="1" name="Shape 201">
+          <a:extLst>
+            <a:ext uri="{FF2B5EF4-FFF2-40B4-BE49-F238E27FC236}">
+              <a16:creationId xmlns:a16="http://schemas.microsoft.com/office/drawing/2014/main" id="{D832AF68-C2BA-E674-15FC-C43D98713DC3}"/>
+            </a:ext>
+          </a:extLst>
+        </p:cNvPr>
         <p:cNvGrpSpPr/>
         <p:nvPr/>
       </p:nvGrpSpPr>
@@ -8986,91 +9090,26 @@
           <a:chExt cx="0" cy="0"/>
         </a:xfrm>
       </p:grpSpPr>
-      <p:cxnSp>
-        <p:nvCxnSpPr>
-          <p:cNvPr id="194" name="Google Shape;194;p10"/>
-          <p:cNvCxnSpPr/>
-          <p:nvPr/>
-        </p:nvCxnSpPr>
-        <p:spPr>
-          <a:xfrm>
-            <a:off x="0" y="758027"/>
-            <a:ext cx="4085617" cy="0"/>
-          </a:xfrm>
-          <a:prstGeom prst="straightConnector1">
-            <a:avLst/>
-          </a:prstGeom>
-          <a:noFill/>
-          <a:ln w="15875" cap="flat" cmpd="sng">
-            <a:solidFill>
-              <a:srgbClr val="FBFDF1"/>
-            </a:solidFill>
-            <a:prstDash val="solid"/>
-            <a:round/>
-            <a:headEnd type="none" w="sm" len="sm"/>
-            <a:tailEnd type="none" w="sm" len="sm"/>
-          </a:ln>
-        </p:spPr>
-      </p:cxnSp>
-      <p:pic>
-        <p:nvPicPr>
-          <p:cNvPr id="3" name="Picture 2" descr="A computer screen shot of a computer program">
+      <p:sp>
+        <p:nvSpPr>
+          <p:cNvPr id="202" name="Google Shape;202;p11">
             <a:extLst>
               <a:ext uri="{FF2B5EF4-FFF2-40B4-BE49-F238E27FC236}">
-                <a16:creationId xmlns:a16="http://schemas.microsoft.com/office/drawing/2014/main" id="{6F761772-93B0-C044-46C8-4019663C7118}"/>
+                <a16:creationId xmlns:a16="http://schemas.microsoft.com/office/drawing/2014/main" id="{FA3C8268-CDF2-14B4-D144-125206D2BE4D}"/>
               </a:ext>
             </a:extLst>
           </p:cNvPr>
-          <p:cNvPicPr>
-            <a:picLocks noChangeAspect="1"/>
-          </p:cNvPicPr>
-          <p:nvPr/>
-        </p:nvPicPr>
-        <p:blipFill>
-          <a:blip r:embed="rId3">
-            <a:extLst>
-              <a:ext uri="{BEBA8EAE-BF5A-486C-A8C5-ECC9F3942E4B}">
-                <a14:imgProps xmlns:a14="http://schemas.microsoft.com/office/drawing/2010/main">
-                  <a14:imgLayer r:embed="rId4">
-                    <a14:imgEffect>
-                      <a14:saturation sat="400000"/>
-                    </a14:imgEffect>
-                  </a14:imgLayer>
-                </a14:imgProps>
-              </a:ext>
-            </a:extLst>
-          </a:blip>
-          <a:stretch>
-            <a:fillRect/>
-          </a:stretch>
-        </p:blipFill>
+          <p:cNvSpPr txBox="1">
+            <a:spLocks noGrp="1"/>
+          </p:cNvSpPr>
+          <p:nvPr>
+            <p:ph type="title"/>
+          </p:nvPr>
+        </p:nvSpPr>
         <p:spPr>
           <a:xfrm>
-            <a:off x="624117" y="0"/>
-            <a:ext cx="11746523" cy="6858000"/>
-          </a:xfrm>
-          <a:prstGeom prst="rect">
-            <a:avLst/>
-          </a:prstGeom>
-        </p:spPr>
-      </p:pic>
-      <p:pic>
-        <p:nvPicPr>
-          <p:cNvPr id="196" name="Google Shape;196;p10" descr="A logo for a school&#10;&#10;Description automatically generated"/>
-          <p:cNvPicPr preferRelativeResize="0"/>
-          <p:nvPr/>
-        </p:nvPicPr>
-        <p:blipFill rotWithShape="1">
-          <a:blip r:embed="rId5">
-            <a:alphaModFix/>
-          </a:blip>
-          <a:srcRect/>
-          <a:stretch/>
-        </p:blipFill>
-        <p:spPr>
-          <a:xfrm>
-            <a:off x="720388" y="257277"/>
-            <a:ext cx="975859" cy="1001500"/>
+            <a:off x="0" y="0"/>
+            <a:ext cx="8596668" cy="714872"/>
           </a:xfrm>
           <a:prstGeom prst="rect">
             <a:avLst/>
@@ -9080,8 +9119,449 @@
             <a:noFill/>
           </a:ln>
         </p:spPr>
-      </p:pic>
+        <p:txBody>
+          <a:bodyPr spcFirstLastPara="1" wrap="square" lIns="91425" tIns="45700" rIns="91425" bIns="45700" anchor="ctr" anchorCtr="0">
+            <a:normAutofit/>
+          </a:bodyPr>
+          <a:lstStyle/>
+          <a:p>
+            <a:pPr marL="0" lvl="0" indent="0" rtl="0">
+              <a:lnSpc>
+                <a:spcPct val="90000"/>
+              </a:lnSpc>
+              <a:spcBef>
+                <a:spcPts val="0"/>
+              </a:spcBef>
+              <a:spcAft>
+                <a:spcPts val="0"/>
+              </a:spcAft>
+              <a:buClr>
+                <a:schemeClr val="accent1"/>
+              </a:buClr>
+              <a:buSzPts val="4400"/>
+              <a:buFont typeface="Corbel"/>
+              <a:buNone/>
+            </a:pPr>
+            <a:r>
+              <a:rPr lang="es-CL" sz="3200" dirty="0" err="1"/>
+              <a:t>Prompt</a:t>
+            </a:r>
+            <a:r>
+              <a:rPr lang="es-CL" sz="3200" dirty="0"/>
+              <a:t>: Creación de preguntas</a:t>
+            </a:r>
+            <a:endParaRPr sz="3200" dirty="0"/>
+          </a:p>
+        </p:txBody>
+      </p:sp>
+      <p:sp>
+        <p:nvSpPr>
+          <p:cNvPr id="2" name="CuadroTexto 1">
+            <a:extLst>
+              <a:ext uri="{FF2B5EF4-FFF2-40B4-BE49-F238E27FC236}">
+                <a16:creationId xmlns:a16="http://schemas.microsoft.com/office/drawing/2014/main" id="{35AEBA83-E25A-F5F6-05DC-BA1DF8F0DEF5}"/>
+              </a:ext>
+            </a:extLst>
+          </p:cNvPr>
+          <p:cNvSpPr txBox="1"/>
+          <p:nvPr/>
+        </p:nvSpPr>
+        <p:spPr>
+          <a:xfrm>
+            <a:off x="99152" y="561860"/>
+            <a:ext cx="9926197" cy="4801314"/>
+          </a:xfrm>
+          <a:prstGeom prst="rect">
+            <a:avLst/>
+          </a:prstGeom>
+          <a:noFill/>
+        </p:spPr>
+        <p:txBody>
+          <a:bodyPr wrap="square" rtlCol="0">
+            <a:spAutoFit/>
+          </a:bodyPr>
+          <a:lstStyle/>
+          <a:p>
+            <a:r>
+              <a:rPr lang="en-US" dirty="0"/>
+              <a:t>Sistema:</a:t>
+            </a:r>
+            <a:r>
+              <a:rPr lang="es-CL" b="0" dirty="0">
+                <a:effectLst/>
+                <a:latin typeface="Consolas" panose="020B0609020204030204" pitchFamily="49" charset="0"/>
+              </a:rPr>
+              <a:t> Eres un profesor experto en la evaluación PAES Chile, y los alumnos vienen a solicitarte preguntas de 5 alternativas para poner aprueba sus conocimientos. Además de conocer los contenidos del temario de cada evaluación, solo entrega </a:t>
+            </a:r>
+            <a:r>
+              <a:rPr lang="es-CL" b="0" dirty="0" err="1">
+                <a:effectLst/>
+                <a:latin typeface="Consolas" panose="020B0609020204030204" pitchFamily="49" charset="0"/>
+              </a:rPr>
+              <a:t>json</a:t>
+            </a:r>
+            <a:r>
+              <a:rPr lang="es-CL" b="0" dirty="0">
+                <a:effectLst/>
+                <a:latin typeface="Consolas" panose="020B0609020204030204" pitchFamily="49" charset="0"/>
+              </a:rPr>
+              <a:t>, y preguntas repartidas equitativamente por temario.</a:t>
+            </a:r>
+            <a:br>
+              <a:rPr lang="es-CL" b="0" dirty="0">
+                <a:effectLst/>
+                <a:latin typeface="Consolas" panose="020B0609020204030204" pitchFamily="49" charset="0"/>
+              </a:rPr>
+            </a:br>
+            <a:r>
+              <a:rPr lang="es-CL" b="0" dirty="0">
+                <a:effectLst/>
+                <a:latin typeface="Consolas" panose="020B0609020204030204" pitchFamily="49" charset="0"/>
+              </a:rPr>
+              <a:t>{{</a:t>
+            </a:r>
+          </a:p>
+          <a:p>
+            <a:r>
+              <a:rPr lang="es-CL" b="0" dirty="0">
+                <a:effectLst/>
+                <a:latin typeface="Consolas" panose="020B0609020204030204" pitchFamily="49" charset="0"/>
+              </a:rPr>
+              <a:t>                    "pregunta": "Texto de la pregunta",</a:t>
+            </a:r>
+          </a:p>
+          <a:p>
+            <a:r>
+              <a:rPr lang="es-CL" b="0" dirty="0">
+                <a:effectLst/>
+                <a:latin typeface="Consolas" panose="020B0609020204030204" pitchFamily="49" charset="0"/>
+              </a:rPr>
+              <a:t>                    "</a:t>
+            </a:r>
+            <a:r>
+              <a:rPr lang="es-CL" b="0" dirty="0" err="1">
+                <a:effectLst/>
+                <a:latin typeface="Consolas" panose="020B0609020204030204" pitchFamily="49" charset="0"/>
+              </a:rPr>
+              <a:t>tema":"tema</a:t>
+            </a:r>
+            <a:r>
+              <a:rPr lang="es-CL" b="0" dirty="0">
+                <a:effectLst/>
+                <a:latin typeface="Consolas" panose="020B0609020204030204" pitchFamily="49" charset="0"/>
+              </a:rPr>
+              <a:t> correspondiente",</a:t>
+            </a:r>
+          </a:p>
+          <a:p>
+            <a:r>
+              <a:rPr lang="es-CL" b="0" dirty="0">
+                <a:effectLst/>
+                <a:latin typeface="Consolas" panose="020B0609020204030204" pitchFamily="49" charset="0"/>
+              </a:rPr>
+              <a:t>                    "opciones": [</a:t>
+            </a:r>
+          </a:p>
+          <a:p>
+            <a:r>
+              <a:rPr lang="es-CL" b="0" dirty="0">
+                <a:effectLst/>
+                <a:latin typeface="Consolas" panose="020B0609020204030204" pitchFamily="49" charset="0"/>
+              </a:rPr>
+              <a:t>                        {{"texto": "Opción 1", "</a:t>
+            </a:r>
+            <a:r>
+              <a:rPr lang="es-CL" b="0" dirty="0" err="1">
+                <a:effectLst/>
+                <a:latin typeface="Consolas" panose="020B0609020204030204" pitchFamily="49" charset="0"/>
+              </a:rPr>
+              <a:t>es_correcta</a:t>
+            </a:r>
+            <a:r>
+              <a:rPr lang="es-CL" b="0" dirty="0">
+                <a:effectLst/>
+                <a:latin typeface="Consolas" panose="020B0609020204030204" pitchFamily="49" charset="0"/>
+              </a:rPr>
+              <a:t>": </a:t>
+            </a:r>
+            <a:r>
+              <a:rPr lang="es-CL" b="0" dirty="0" err="1">
+                <a:effectLst/>
+                <a:latin typeface="Consolas" panose="020B0609020204030204" pitchFamily="49" charset="0"/>
+              </a:rPr>
+              <a:t>null</a:t>
+            </a:r>
+            <a:r>
+              <a:rPr lang="es-CL" b="0" dirty="0">
+                <a:effectLst/>
+                <a:latin typeface="Consolas" panose="020B0609020204030204" pitchFamily="49" charset="0"/>
+              </a:rPr>
+              <a:t>}},</a:t>
+            </a:r>
+          </a:p>
+          <a:p>
+            <a:r>
+              <a:rPr lang="es-CL" b="0" dirty="0">
+                <a:effectLst/>
+                <a:latin typeface="Consolas" panose="020B0609020204030204" pitchFamily="49" charset="0"/>
+              </a:rPr>
+              <a:t>                        {{"texto": "Opción 2", "</a:t>
+            </a:r>
+            <a:r>
+              <a:rPr lang="es-CL" b="0" dirty="0" err="1">
+                <a:effectLst/>
+                <a:latin typeface="Consolas" panose="020B0609020204030204" pitchFamily="49" charset="0"/>
+              </a:rPr>
+              <a:t>es_correcta</a:t>
+            </a:r>
+            <a:r>
+              <a:rPr lang="es-CL" b="0" dirty="0">
+                <a:effectLst/>
+                <a:latin typeface="Consolas" panose="020B0609020204030204" pitchFamily="49" charset="0"/>
+              </a:rPr>
+              <a:t>": </a:t>
+            </a:r>
+            <a:r>
+              <a:rPr lang="es-CL" b="0" dirty="0" err="1">
+                <a:effectLst/>
+                <a:latin typeface="Consolas" panose="020B0609020204030204" pitchFamily="49" charset="0"/>
+              </a:rPr>
+              <a:t>null</a:t>
+            </a:r>
+            <a:r>
+              <a:rPr lang="es-CL" b="0" dirty="0">
+                <a:effectLst/>
+                <a:latin typeface="Consolas" panose="020B0609020204030204" pitchFamily="49" charset="0"/>
+              </a:rPr>
+              <a:t>}},</a:t>
+            </a:r>
+          </a:p>
+          <a:p>
+            <a:r>
+              <a:rPr lang="es-CL" b="0" dirty="0">
+                <a:effectLst/>
+                <a:latin typeface="Consolas" panose="020B0609020204030204" pitchFamily="49" charset="0"/>
+              </a:rPr>
+              <a:t>                        {{"texto": "Opción 3", "</a:t>
+            </a:r>
+            <a:r>
+              <a:rPr lang="es-CL" b="0" dirty="0" err="1">
+                <a:effectLst/>
+                <a:latin typeface="Consolas" panose="020B0609020204030204" pitchFamily="49" charset="0"/>
+              </a:rPr>
+              <a:t>es_correcta</a:t>
+            </a:r>
+            <a:r>
+              <a:rPr lang="es-CL" b="0" dirty="0">
+                <a:effectLst/>
+                <a:latin typeface="Consolas" panose="020B0609020204030204" pitchFamily="49" charset="0"/>
+              </a:rPr>
+              <a:t>": </a:t>
+            </a:r>
+            <a:r>
+              <a:rPr lang="es-CL" b="0" dirty="0" err="1">
+                <a:effectLst/>
+                <a:latin typeface="Consolas" panose="020B0609020204030204" pitchFamily="49" charset="0"/>
+              </a:rPr>
+              <a:t>null</a:t>
+            </a:r>
+            <a:r>
+              <a:rPr lang="es-CL" b="0" dirty="0">
+                <a:effectLst/>
+                <a:latin typeface="Consolas" panose="020B0609020204030204" pitchFamily="49" charset="0"/>
+              </a:rPr>
+              <a:t>}},</a:t>
+            </a:r>
+          </a:p>
+          <a:p>
+            <a:r>
+              <a:rPr lang="es-CL" b="0" dirty="0">
+                <a:effectLst/>
+                <a:latin typeface="Consolas" panose="020B0609020204030204" pitchFamily="49" charset="0"/>
+              </a:rPr>
+              <a:t>                        {{"texto": "Opción 4", "</a:t>
+            </a:r>
+            <a:r>
+              <a:rPr lang="es-CL" b="0" dirty="0" err="1">
+                <a:effectLst/>
+                <a:latin typeface="Consolas" panose="020B0609020204030204" pitchFamily="49" charset="0"/>
+              </a:rPr>
+              <a:t>es_correcta</a:t>
+            </a:r>
+            <a:r>
+              <a:rPr lang="es-CL" b="0" dirty="0">
+                <a:effectLst/>
+                <a:latin typeface="Consolas" panose="020B0609020204030204" pitchFamily="49" charset="0"/>
+              </a:rPr>
+              <a:t>": </a:t>
+            </a:r>
+            <a:r>
+              <a:rPr lang="es-CL" b="0" dirty="0" err="1">
+                <a:effectLst/>
+                <a:latin typeface="Consolas" panose="020B0609020204030204" pitchFamily="49" charset="0"/>
+              </a:rPr>
+              <a:t>null</a:t>
+            </a:r>
+            <a:r>
+              <a:rPr lang="es-CL" b="0" dirty="0">
+                <a:effectLst/>
+                <a:latin typeface="Consolas" panose="020B0609020204030204" pitchFamily="49" charset="0"/>
+              </a:rPr>
+              <a:t>}},</a:t>
+            </a:r>
+          </a:p>
+          <a:p>
+            <a:r>
+              <a:rPr lang="es-CL" b="0" dirty="0">
+                <a:effectLst/>
+                <a:latin typeface="Consolas" panose="020B0609020204030204" pitchFamily="49" charset="0"/>
+              </a:rPr>
+              <a:t>                        {{"texto": "Opción 5", "</a:t>
+            </a:r>
+            <a:r>
+              <a:rPr lang="es-CL" b="0" dirty="0" err="1">
+                <a:effectLst/>
+                <a:latin typeface="Consolas" panose="020B0609020204030204" pitchFamily="49" charset="0"/>
+              </a:rPr>
+              <a:t>es_correcta</a:t>
+            </a:r>
+            <a:r>
+              <a:rPr lang="es-CL" b="0" dirty="0">
+                <a:effectLst/>
+                <a:latin typeface="Consolas" panose="020B0609020204030204" pitchFamily="49" charset="0"/>
+              </a:rPr>
+              <a:t>": </a:t>
+            </a:r>
+            <a:r>
+              <a:rPr lang="es-CL" b="0" dirty="0" err="1">
+                <a:effectLst/>
+                <a:latin typeface="Consolas" panose="020B0609020204030204" pitchFamily="49" charset="0"/>
+              </a:rPr>
+              <a:t>null</a:t>
+            </a:r>
+            <a:r>
+              <a:rPr lang="es-CL" b="0" dirty="0">
+                <a:effectLst/>
+                <a:latin typeface="Consolas" panose="020B0609020204030204" pitchFamily="49" charset="0"/>
+              </a:rPr>
+              <a:t>}}</a:t>
+            </a:r>
+          </a:p>
+          <a:p>
+            <a:r>
+              <a:rPr lang="es-CL" b="0" dirty="0">
+                <a:effectLst/>
+                <a:latin typeface="Consolas" panose="020B0609020204030204" pitchFamily="49" charset="0"/>
+              </a:rPr>
+              <a:t>                    ]</a:t>
+            </a:r>
+          </a:p>
+          <a:p>
+            <a:r>
+              <a:rPr lang="es-CL" b="0" dirty="0">
+                <a:effectLst/>
+                <a:latin typeface="Consolas" panose="020B0609020204030204" pitchFamily="49" charset="0"/>
+              </a:rPr>
+              <a:t>                }}</a:t>
+            </a:r>
+          </a:p>
+          <a:p>
+            <a:r>
+              <a:rPr lang="en-US" dirty="0"/>
+              <a:t> </a:t>
+            </a:r>
+            <a:endParaRPr lang="es-CL" dirty="0"/>
+          </a:p>
+        </p:txBody>
+      </p:sp>
+      <p:sp>
+        <p:nvSpPr>
+          <p:cNvPr id="4" name="CuadroTexto 3">
+            <a:extLst>
+              <a:ext uri="{FF2B5EF4-FFF2-40B4-BE49-F238E27FC236}">
+                <a16:creationId xmlns:a16="http://schemas.microsoft.com/office/drawing/2014/main" id="{C60D49EC-2FB0-CA2B-05D9-D13CCD0B0E8D}"/>
+              </a:ext>
+            </a:extLst>
+          </p:cNvPr>
+          <p:cNvSpPr txBox="1"/>
+          <p:nvPr/>
+        </p:nvSpPr>
+        <p:spPr>
+          <a:xfrm>
+            <a:off x="99152" y="5103674"/>
+            <a:ext cx="9926197" cy="646331"/>
+          </a:xfrm>
+          <a:prstGeom prst="rect">
+            <a:avLst/>
+          </a:prstGeom>
+          <a:noFill/>
+        </p:spPr>
+        <p:txBody>
+          <a:bodyPr wrap="square" rtlCol="0">
+            <a:spAutoFit/>
+          </a:bodyPr>
+          <a:lstStyle/>
+          <a:p>
+            <a:r>
+              <a:rPr lang="en-US" dirty="0"/>
+              <a:t>Entrada :</a:t>
+            </a:r>
+            <a:r>
+              <a:rPr lang="es-CL" b="0" dirty="0">
+                <a:effectLst/>
+                <a:latin typeface="Consolas" panose="020B0609020204030204" pitchFamily="49" charset="0"/>
+              </a:rPr>
+              <a:t>Dame preguntas </a:t>
+            </a:r>
+            <a:r>
+              <a:rPr lang="es-CL" b="0" dirty="0">
+                <a:solidFill>
+                  <a:srgbClr val="FF0000"/>
+                </a:solidFill>
+                <a:effectLst/>
+                <a:latin typeface="Consolas" panose="020B0609020204030204" pitchFamily="49" charset="0"/>
+              </a:rPr>
+              <a:t>{cantidad} </a:t>
+            </a:r>
+            <a:r>
+              <a:rPr lang="es-CL" b="0" dirty="0">
+                <a:effectLst/>
+                <a:latin typeface="Consolas" panose="020B0609020204030204" pitchFamily="49" charset="0"/>
+              </a:rPr>
+              <a:t>en formato JSON de los siguientes temarios: </a:t>
+            </a:r>
+            <a:r>
+              <a:rPr lang="es-CL" b="0" dirty="0">
+                <a:solidFill>
+                  <a:srgbClr val="FF0000"/>
+                </a:solidFill>
+                <a:effectLst/>
+                <a:latin typeface="Consolas" panose="020B0609020204030204" pitchFamily="49" charset="0"/>
+              </a:rPr>
+              <a:t>{temarios}.</a:t>
+            </a:r>
+            <a:r>
+              <a:rPr lang="en-US" dirty="0">
+                <a:solidFill>
+                  <a:srgbClr val="FF0000"/>
+                </a:solidFill>
+              </a:rPr>
+              <a:t> </a:t>
+            </a:r>
+            <a:endParaRPr lang="es-CL" dirty="0">
+              <a:solidFill>
+                <a:srgbClr val="FF0000"/>
+              </a:solidFill>
+            </a:endParaRPr>
+          </a:p>
+        </p:txBody>
+      </p:sp>
     </p:spTree>
+    <p:extLst>
+      <p:ext uri="{BB962C8B-B14F-4D97-AF65-F5344CB8AC3E}">
+        <p14:creationId xmlns:p14="http://schemas.microsoft.com/office/powerpoint/2010/main" val="1003976785"/>
+      </p:ext>
+    </p:extLst>
   </p:cSld>
   <p:clrMapOvr>
     <a:masterClrMapping/>
@@ -9097,7 +9577,13 @@
   <p:cSld>
     <p:spTree>
       <p:nvGrpSpPr>
-        <p:cNvPr id="1" name="Shape 201"/>
+        <p:cNvPr id="1" name="Shape 201">
+          <a:extLst>
+            <a:ext uri="{FF2B5EF4-FFF2-40B4-BE49-F238E27FC236}">
+              <a16:creationId xmlns:a16="http://schemas.microsoft.com/office/drawing/2014/main" id="{F9D9D84B-C431-BEE5-0017-AE4572B22484}"/>
+            </a:ext>
+          </a:extLst>
+        </p:cNvPr>
         <p:cNvGrpSpPr/>
         <p:nvPr/>
       </p:nvGrpSpPr>
@@ -9111,7 +9597,13 @@
       </p:grpSpPr>
       <p:sp>
         <p:nvSpPr>
-          <p:cNvPr id="202" name="Google Shape;202;p11"/>
+          <p:cNvPr id="202" name="Google Shape;202;p11">
+            <a:extLst>
+              <a:ext uri="{FF2B5EF4-FFF2-40B4-BE49-F238E27FC236}">
+                <a16:creationId xmlns:a16="http://schemas.microsoft.com/office/drawing/2014/main" id="{C8F6988B-C8CE-AF5D-DE45-1BA92B6EEECA}"/>
+              </a:ext>
+            </a:extLst>
+          </p:cNvPr>
           <p:cNvSpPr txBox="1">
             <a:spLocks noGrp="1"/>
           </p:cNvSpPr>
@@ -9121,8 +9613,8 @@
         </p:nvSpPr>
         <p:spPr>
           <a:xfrm>
-            <a:off x="93134" y="-139700"/>
-            <a:ext cx="8596668" cy="1320800"/>
+            <a:off x="0" y="0"/>
+            <a:ext cx="8596668" cy="714872"/>
           </a:xfrm>
           <a:prstGeom prst="rect">
             <a:avLst/>
@@ -9138,7 +9630,7 @@
           </a:bodyPr>
           <a:lstStyle/>
           <a:p>
-            <a:pPr marL="0" lvl="0" indent="0" algn="l" rtl="0">
+            <a:pPr marL="0" lvl="0" indent="0" rtl="0">
               <a:lnSpc>
                 <a:spcPct val="90000"/>
               </a:lnSpc>
@@ -9156,48 +9648,180 @@
               <a:buNone/>
             </a:pPr>
             <a:r>
-              <a:rPr lang="es-CL" dirty="0" err="1"/>
+              <a:rPr lang="es-CL" sz="3200" dirty="0" err="1"/>
               <a:t>Prompt</a:t>
             </a:r>
             <a:r>
-              <a:rPr lang="es-CL" dirty="0"/>
-              <a:t> creación de preguntas:</a:t>
-            </a:r>
-            <a:endParaRPr dirty="0"/>
+              <a:rPr lang="es-CL" sz="3200" dirty="0"/>
+              <a:t>: Comentario por preguntas </a:t>
+            </a:r>
+            <a:r>
+              <a:rPr lang="es-CL" sz="3200" dirty="0" err="1"/>
+              <a:t>erroenas</a:t>
+            </a:r>
+            <a:endParaRPr sz="3200" dirty="0"/>
           </a:p>
         </p:txBody>
       </p:sp>
-      <p:pic>
-        <p:nvPicPr>
-          <p:cNvPr id="3" name="Picture 2" descr="A screen shot of a computer program&#10;&#10;Description automatically generated">
+      <p:sp>
+        <p:nvSpPr>
+          <p:cNvPr id="2" name="CuadroTexto 1">
             <a:extLst>
               <a:ext uri="{FF2B5EF4-FFF2-40B4-BE49-F238E27FC236}">
-                <a16:creationId xmlns:a16="http://schemas.microsoft.com/office/drawing/2014/main" id="{C50CDDA8-C117-0B02-6DF6-C6A530E392B4}"/>
+                <a16:creationId xmlns:a16="http://schemas.microsoft.com/office/drawing/2014/main" id="{671FBC7B-56EB-32AE-EB4F-81BDE970FFD7}"/>
               </a:ext>
             </a:extLst>
           </p:cNvPr>
-          <p:cNvPicPr>
-            <a:picLocks noChangeAspect="1"/>
-          </p:cNvPicPr>
+          <p:cNvSpPr txBox="1"/>
           <p:nvPr/>
-        </p:nvPicPr>
-        <p:blipFill>
-          <a:blip r:embed="rId3"/>
-          <a:stretch>
-            <a:fillRect/>
-          </a:stretch>
-        </p:blipFill>
+        </p:nvSpPr>
         <p:spPr>
           <a:xfrm>
-            <a:off x="-45541" y="1066800"/>
-            <a:ext cx="12283081" cy="6350000"/>
+            <a:off x="99152" y="1754326"/>
+            <a:ext cx="9926197" cy="1200329"/>
           </a:xfrm>
           <a:prstGeom prst="rect">
             <a:avLst/>
           </a:prstGeom>
+          <a:noFill/>
         </p:spPr>
-      </p:pic>
+        <p:txBody>
+          <a:bodyPr wrap="square" rtlCol="0">
+            <a:spAutoFit/>
+          </a:bodyPr>
+          <a:lstStyle/>
+          <a:p>
+            <a:r>
+              <a:rPr lang="en-US" dirty="0"/>
+              <a:t>Sistema:</a:t>
+            </a:r>
+            <a:r>
+              <a:rPr lang="es-CL" b="0" dirty="0">
+                <a:effectLst/>
+                <a:latin typeface="Consolas" panose="020B0609020204030204" pitchFamily="49" charset="0"/>
+              </a:rPr>
+              <a:t> Eres un profesor experto en </a:t>
+            </a:r>
+            <a:r>
+              <a:rPr lang="es-CL" b="0" dirty="0">
+                <a:solidFill>
+                  <a:srgbClr val="FF0000"/>
+                </a:solidFill>
+                <a:effectLst/>
+                <a:latin typeface="Consolas" panose="020B0609020204030204" pitchFamily="49" charset="0"/>
+              </a:rPr>
+              <a:t>{materia} </a:t>
+            </a:r>
+            <a:r>
+              <a:rPr lang="es-CL" b="0" dirty="0">
+                <a:effectLst/>
+                <a:latin typeface="Consolas" panose="020B0609020204030204" pitchFamily="49" charset="0"/>
+              </a:rPr>
+              <a:t>preparando alumnos para la evaluación PAES de Chile. A continuación se te entregan algunas preguntas incorrectas del cuestionario de un estudiante. Proporciona recomendaciones y sugerencias específicas para ayudar al estudiante a comprender sus errores.</a:t>
+            </a:r>
+            <a:endParaRPr lang="es-CL" dirty="0"/>
+          </a:p>
+        </p:txBody>
+      </p:sp>
+      <p:sp>
+        <p:nvSpPr>
+          <p:cNvPr id="4" name="CuadroTexto 3">
+            <a:extLst>
+              <a:ext uri="{FF2B5EF4-FFF2-40B4-BE49-F238E27FC236}">
+                <a16:creationId xmlns:a16="http://schemas.microsoft.com/office/drawing/2014/main" id="{58E93E11-4C8A-FF34-D35E-6F5DEE0678E8}"/>
+              </a:ext>
+            </a:extLst>
+          </p:cNvPr>
+          <p:cNvSpPr txBox="1"/>
+          <p:nvPr/>
+        </p:nvSpPr>
+        <p:spPr>
+          <a:xfrm>
+            <a:off x="220338" y="3748599"/>
+            <a:ext cx="9926197" cy="923330"/>
+          </a:xfrm>
+          <a:prstGeom prst="rect">
+            <a:avLst/>
+          </a:prstGeom>
+          <a:noFill/>
+        </p:spPr>
+        <p:txBody>
+          <a:bodyPr wrap="square" rtlCol="0">
+            <a:spAutoFit/>
+          </a:bodyPr>
+          <a:lstStyle/>
+          <a:p>
+            <a:r>
+              <a:rPr lang="en-US" dirty="0"/>
+              <a:t>Entrada :</a:t>
+            </a:r>
+            <a:r>
+              <a:rPr lang="es-CL" b="0" dirty="0">
+                <a:effectLst/>
+                <a:latin typeface="Consolas" panose="020B0609020204030204" pitchFamily="49" charset="0"/>
+              </a:rPr>
+              <a:t>Errores en el cuestionario:</a:t>
+            </a:r>
+            <a:r>
+              <a:rPr lang="es-CL" b="0" dirty="0">
+                <a:solidFill>
+                  <a:srgbClr val="FF0000"/>
+                </a:solidFill>
+                <a:effectLst/>
+                <a:latin typeface="Consolas" panose="020B0609020204030204" pitchFamily="49" charset="0"/>
+              </a:rPr>
+              <a:t>{</a:t>
+            </a:r>
+            <a:r>
+              <a:rPr lang="es-CL" b="0" dirty="0" err="1">
+                <a:solidFill>
+                  <a:srgbClr val="FF0000"/>
+                </a:solidFill>
+                <a:effectLst/>
+                <a:latin typeface="Consolas" panose="020B0609020204030204" pitchFamily="49" charset="0"/>
+              </a:rPr>
+              <a:t>preguntas_erroneas</a:t>
+            </a:r>
+            <a:r>
+              <a:rPr lang="es-CL" b="0" dirty="0">
+                <a:solidFill>
+                  <a:srgbClr val="FF0000"/>
+                </a:solidFill>
+                <a:effectLst/>
+                <a:latin typeface="Consolas" panose="020B0609020204030204" pitchFamily="49" charset="0"/>
+              </a:rPr>
+              <a:t>}</a:t>
+            </a:r>
+            <a:r>
+              <a:rPr lang="es-CL" b="0" dirty="0">
+                <a:effectLst/>
+                <a:latin typeface="Consolas" panose="020B0609020204030204" pitchFamily="49" charset="0"/>
+              </a:rPr>
+              <a:t>“</a:t>
+            </a:r>
+          </a:p>
+          <a:p>
+            <a:r>
+              <a:rPr lang="es-CL" b="0" dirty="0">
+                <a:effectLst/>
+                <a:latin typeface="Consolas" panose="020B0609020204030204" pitchFamily="49" charset="0"/>
+              </a:rPr>
+              <a:t>"¿Qué puedo hacer para mejorar mis resultados en base a los errores anteriores?</a:t>
+            </a:r>
+            <a:endParaRPr lang="es-CL" dirty="0">
+              <a:solidFill>
+                <a:srgbClr val="FF0000"/>
+              </a:solidFill>
+            </a:endParaRPr>
+          </a:p>
+        </p:txBody>
+      </p:sp>
     </p:spTree>
+    <p:extLst>
+      <p:ext uri="{BB962C8B-B14F-4D97-AF65-F5344CB8AC3E}">
+        <p14:creationId xmlns:p14="http://schemas.microsoft.com/office/powerpoint/2010/main" val="3437580519"/>
+      </p:ext>
+    </p:extLst>
   </p:cSld>
   <p:clrMapOvr>
     <a:masterClrMapping/>
@@ -9213,7 +9837,13 @@
   <p:cSld>
     <p:spTree>
       <p:nvGrpSpPr>
-        <p:cNvPr id="1" name="Shape 201"/>
+        <p:cNvPr id="1" name="Shape 201">
+          <a:extLst>
+            <a:ext uri="{FF2B5EF4-FFF2-40B4-BE49-F238E27FC236}">
+              <a16:creationId xmlns:a16="http://schemas.microsoft.com/office/drawing/2014/main" id="{368F6D82-93A8-6B93-14C4-14511B28497C}"/>
+            </a:ext>
+          </a:extLst>
+        </p:cNvPr>
         <p:cNvGrpSpPr/>
         <p:nvPr/>
       </p:nvGrpSpPr>
@@ -9227,7 +9857,13 @@
       </p:grpSpPr>
       <p:sp>
         <p:nvSpPr>
-          <p:cNvPr id="202" name="Google Shape;202;p11"/>
+          <p:cNvPr id="202" name="Google Shape;202;p11">
+            <a:extLst>
+              <a:ext uri="{FF2B5EF4-FFF2-40B4-BE49-F238E27FC236}">
+                <a16:creationId xmlns:a16="http://schemas.microsoft.com/office/drawing/2014/main" id="{17AD9B94-D228-D831-0655-0EEFB0FA8BC7}"/>
+              </a:ext>
+            </a:extLst>
+          </p:cNvPr>
           <p:cNvSpPr txBox="1">
             <a:spLocks noGrp="1"/>
           </p:cNvSpPr>
@@ -9237,8 +9873,8 @@
         </p:nvSpPr>
         <p:spPr>
           <a:xfrm>
-            <a:off x="0" y="-165100"/>
-            <a:ext cx="8596668" cy="1320800"/>
+            <a:off x="0" y="0"/>
+            <a:ext cx="8596668" cy="714872"/>
           </a:xfrm>
           <a:prstGeom prst="rect">
             <a:avLst/>
@@ -9254,7 +9890,7 @@
           </a:bodyPr>
           <a:lstStyle/>
           <a:p>
-            <a:pPr marL="0" lvl="0" indent="0" algn="l" rtl="0">
+            <a:pPr marL="0" lvl="0" indent="0" rtl="0">
               <a:lnSpc>
                 <a:spcPct val="90000"/>
               </a:lnSpc>
@@ -9272,51 +9908,223 @@
               <a:buNone/>
             </a:pPr>
             <a:r>
-              <a:rPr lang="es-CL" dirty="0" err="1"/>
+              <a:rPr lang="es-CL" sz="3200" dirty="0" err="1"/>
               <a:t>Prompt</a:t>
             </a:r>
             <a:r>
+              <a:rPr lang="es-CL" sz="3200" dirty="0"/>
+              <a:t>: </a:t>
+            </a:r>
+            <a:r>
               <a:rPr lang="es-CL" dirty="0"/>
-              <a:t> de retroalimentación</a:t>
-            </a:r>
-            <a:endParaRPr dirty="0"/>
+              <a:t>Retroalimentación </a:t>
+            </a:r>
+            <a:endParaRPr sz="3200" dirty="0"/>
           </a:p>
         </p:txBody>
       </p:sp>
-      <p:pic>
-        <p:nvPicPr>
-          <p:cNvPr id="3" name="Picture 2" descr="A screen shot of a computer code&#10;&#10;Description automatically generated">
+      <p:sp>
+        <p:nvSpPr>
+          <p:cNvPr id="2" name="CuadroTexto 1">
             <a:extLst>
               <a:ext uri="{FF2B5EF4-FFF2-40B4-BE49-F238E27FC236}">
-                <a16:creationId xmlns:a16="http://schemas.microsoft.com/office/drawing/2014/main" id="{621AF32C-4567-24E7-9061-4F5DC3C15977}"/>
+                <a16:creationId xmlns:a16="http://schemas.microsoft.com/office/drawing/2014/main" id="{A2DA219B-D9F6-7F9B-C37F-F791F1E4F679}"/>
               </a:ext>
             </a:extLst>
           </p:cNvPr>
-          <p:cNvPicPr>
-            <a:picLocks noChangeAspect="1"/>
-          </p:cNvPicPr>
+          <p:cNvSpPr txBox="1"/>
           <p:nvPr/>
-        </p:nvPicPr>
-        <p:blipFill>
-          <a:blip r:embed="rId3"/>
-          <a:stretch>
-            <a:fillRect/>
-          </a:stretch>
-        </p:blipFill>
+        </p:nvSpPr>
         <p:spPr>
           <a:xfrm>
-            <a:off x="0" y="1066800"/>
-            <a:ext cx="12264076" cy="7137400"/>
+            <a:off x="99150" y="883993"/>
+            <a:ext cx="9926197" cy="3970318"/>
           </a:xfrm>
           <a:prstGeom prst="rect">
             <a:avLst/>
           </a:prstGeom>
+          <a:noFill/>
         </p:spPr>
-      </p:pic>
+        <p:txBody>
+          <a:bodyPr wrap="square" rtlCol="0">
+            <a:spAutoFit/>
+          </a:bodyPr>
+          <a:lstStyle/>
+          <a:p>
+            <a:r>
+              <a:rPr lang="en-US" dirty="0"/>
+              <a:t>Sistema:</a:t>
+            </a:r>
+            <a:r>
+              <a:rPr lang="es-CL" b="0" dirty="0">
+                <a:effectLst/>
+                <a:latin typeface="Consolas" panose="020B0609020204030204" pitchFamily="49" charset="0"/>
+              </a:rPr>
+              <a:t> Eres un profesor de enseñanza media preparando alumnos para la evaluación PAES de Chile. Un alumno te entrega una pregunta con la respuesta correcta, y lo que respondió el alumno. Indícale al alumno porque se equivoca, y formula 3 preguntas de dos alternativas, orientadas a la pregunta del estudiante.</a:t>
+            </a:r>
+          </a:p>
+          <a:p>
+            <a:endParaRPr lang="es-CL" dirty="0">
+              <a:latin typeface="Consolas" panose="020B0609020204030204" pitchFamily="49" charset="0"/>
+            </a:endParaRPr>
+          </a:p>
+          <a:p>
+            <a:r>
+              <a:rPr lang="es-CL" dirty="0"/>
+              <a:t>{{"comentario":"</a:t>
+            </a:r>
+            <a:r>
+              <a:rPr lang="es-CL" dirty="0" err="1"/>
+              <a:t>texto_comentario</a:t>
+            </a:r>
+            <a:r>
+              <a:rPr lang="es-CL" dirty="0"/>
+              <a:t>",</a:t>
+            </a:r>
+          </a:p>
+          <a:p>
+            <a:r>
+              <a:rPr lang="es-CL" dirty="0"/>
+              <a:t>                        "preguntas":[</a:t>
+            </a:r>
+          </a:p>
+          <a:p>
+            <a:r>
+              <a:rPr lang="es-CL" dirty="0"/>
+              <a:t>                        "pregunta": "Texto de la pregunta",</a:t>
+            </a:r>
+          </a:p>
+          <a:p>
+            <a:r>
+              <a:rPr lang="es-CL" dirty="0"/>
+              <a:t>                        "</a:t>
+            </a:r>
+            <a:r>
+              <a:rPr lang="es-CL" dirty="0" err="1"/>
+              <a:t>tema":"tema</a:t>
+            </a:r>
+            <a:r>
+              <a:rPr lang="es-CL" dirty="0"/>
+              <a:t> correspondiente",</a:t>
+            </a:r>
+          </a:p>
+          <a:p>
+            <a:r>
+              <a:rPr lang="es-CL" dirty="0"/>
+              <a:t>                        "opciones": [</a:t>
+            </a:r>
+          </a:p>
+          <a:p>
+            <a:r>
+              <a:rPr lang="es-CL" dirty="0"/>
+              <a:t>                            {{"texto": "Opción 1", "</a:t>
+            </a:r>
+            <a:r>
+              <a:rPr lang="es-CL" dirty="0" err="1"/>
+              <a:t>es_correcta</a:t>
+            </a:r>
+            <a:r>
+              <a:rPr lang="es-CL" dirty="0"/>
+              <a:t>": </a:t>
+            </a:r>
+            <a:r>
+              <a:rPr lang="es-CL" dirty="0" err="1"/>
+              <a:t>null</a:t>
+            </a:r>
+            <a:r>
+              <a:rPr lang="es-CL" dirty="0"/>
+              <a:t>}},</a:t>
+            </a:r>
+          </a:p>
+          <a:p>
+            <a:r>
+              <a:rPr lang="es-CL" dirty="0"/>
+              <a:t>                            {{"texto": "Opción 2", "</a:t>
+            </a:r>
+            <a:r>
+              <a:rPr lang="es-CL" dirty="0" err="1"/>
+              <a:t>es_correcta</a:t>
+            </a:r>
+            <a:r>
+              <a:rPr lang="es-CL" dirty="0"/>
+              <a:t>": </a:t>
+            </a:r>
+            <a:r>
+              <a:rPr lang="es-CL" dirty="0" err="1"/>
+              <a:t>null</a:t>
+            </a:r>
+            <a:r>
+              <a:rPr lang="es-CL" dirty="0"/>
+              <a:t>}}</a:t>
+            </a:r>
+          </a:p>
+          <a:p>
+            <a:r>
+              <a:rPr lang="es-CL" dirty="0"/>
+              <a:t>                        ],</a:t>
+            </a:r>
+          </a:p>
+        </p:txBody>
+      </p:sp>
+      <p:sp>
+        <p:nvSpPr>
+          <p:cNvPr id="4" name="CuadroTexto 3">
+            <a:extLst>
+              <a:ext uri="{FF2B5EF4-FFF2-40B4-BE49-F238E27FC236}">
+                <a16:creationId xmlns:a16="http://schemas.microsoft.com/office/drawing/2014/main" id="{0F37ED5D-B02D-CA4B-F9F1-E0DEFE115F10}"/>
+              </a:ext>
+            </a:extLst>
+          </p:cNvPr>
+          <p:cNvSpPr txBox="1"/>
+          <p:nvPr/>
+        </p:nvSpPr>
+        <p:spPr>
+          <a:xfrm>
+            <a:off x="143217" y="5250919"/>
+            <a:ext cx="9926197" cy="646331"/>
+          </a:xfrm>
+          <a:prstGeom prst="rect">
+            <a:avLst/>
+          </a:prstGeom>
+          <a:noFill/>
+        </p:spPr>
+        <p:txBody>
+          <a:bodyPr wrap="square" rtlCol="0">
+            <a:spAutoFit/>
+          </a:bodyPr>
+          <a:lstStyle/>
+          <a:p>
+            <a:r>
+              <a:rPr lang="en-US" dirty="0"/>
+              <a:t>Entrada :</a:t>
+            </a:r>
+            <a:r>
+              <a:rPr lang="es-CL" dirty="0"/>
+              <a:t> Pregunta:{pregunta}, Respuesta correcta: {</a:t>
+            </a:r>
+            <a:r>
+              <a:rPr lang="es-CL" dirty="0" err="1"/>
+              <a:t>respuesta_correcta</a:t>
+            </a:r>
+            <a:r>
+              <a:rPr lang="es-CL" dirty="0"/>
+              <a:t>}, Respuesta alumno: {</a:t>
+            </a:r>
+            <a:r>
+              <a:rPr lang="es-CL" dirty="0" err="1"/>
+              <a:t>respuesta_usuario</a:t>
+            </a:r>
+            <a:r>
+              <a:rPr lang="es-CL" dirty="0"/>
+              <a:t>}.</a:t>
+            </a:r>
+          </a:p>
+        </p:txBody>
+      </p:sp>
     </p:spTree>
     <p:extLst>
       <p:ext uri="{BB962C8B-B14F-4D97-AF65-F5344CB8AC3E}">
-        <p14:creationId xmlns:p14="http://schemas.microsoft.com/office/powerpoint/2010/main" val="436574205"/>
+        <p14:creationId xmlns:p14="http://schemas.microsoft.com/office/powerpoint/2010/main" val="3814561796"/>
       </p:ext>
     </p:extLst>
   </p:cSld>
@@ -12547,6 +13355,365 @@
   <p:cSld>
     <p:spTree>
       <p:nvGrpSpPr>
+        <p:cNvPr id="1" name="Shape 146">
+          <a:extLst>
+            <a:ext uri="{FF2B5EF4-FFF2-40B4-BE49-F238E27FC236}">
+              <a16:creationId xmlns:a16="http://schemas.microsoft.com/office/drawing/2014/main" id="{3AE5C518-EBF7-0BE6-6F76-3ACEAB94923C}"/>
+            </a:ext>
+          </a:extLst>
+        </p:cNvPr>
+        <p:cNvGrpSpPr/>
+        <p:nvPr/>
+      </p:nvGrpSpPr>
+      <p:grpSpPr>
+        <a:xfrm>
+          <a:off x="0" y="0"/>
+          <a:ext cx="0" cy="0"/>
+          <a:chOff x="0" y="0"/>
+          <a:chExt cx="0" cy="0"/>
+        </a:xfrm>
+      </p:grpSpPr>
+      <p:pic>
+        <p:nvPicPr>
+          <p:cNvPr id="147" name="Google Shape;147;p6" descr="EscuelaIT Duoc UC - Escuela de Informática y Telecomunicaciones Duoc UC - Duoc  UC | LinkedIn">
+            <a:extLst>
+              <a:ext uri="{FF2B5EF4-FFF2-40B4-BE49-F238E27FC236}">
+                <a16:creationId xmlns:a16="http://schemas.microsoft.com/office/drawing/2014/main" id="{CBEA44F1-CDD6-5C60-BD7B-CA3AE90DA01C}"/>
+              </a:ext>
+            </a:extLst>
+          </p:cNvPr>
+          <p:cNvPicPr preferRelativeResize="0"/>
+          <p:nvPr/>
+        </p:nvPicPr>
+        <p:blipFill rotWithShape="1">
+          <a:blip r:embed="rId3">
+            <a:alphaModFix/>
+          </a:blip>
+          <a:srcRect/>
+          <a:stretch/>
+        </p:blipFill>
+        <p:spPr>
+          <a:xfrm>
+            <a:off x="9050594" y="99476"/>
+            <a:ext cx="3141406" cy="785352"/>
+          </a:xfrm>
+          <a:prstGeom prst="rect">
+            <a:avLst/>
+          </a:prstGeom>
+          <a:noFill/>
+          <a:ln>
+            <a:noFill/>
+          </a:ln>
+        </p:spPr>
+      </p:pic>
+      <p:sp>
+        <p:nvSpPr>
+          <p:cNvPr id="148" name="Google Shape;148;p6">
+            <a:extLst>
+              <a:ext uri="{FF2B5EF4-FFF2-40B4-BE49-F238E27FC236}">
+                <a16:creationId xmlns:a16="http://schemas.microsoft.com/office/drawing/2014/main" id="{AD4F246C-4212-8274-0B86-F79A164A7FAE}"/>
+              </a:ext>
+            </a:extLst>
+          </p:cNvPr>
+          <p:cNvSpPr txBox="1"/>
+          <p:nvPr/>
+        </p:nvSpPr>
+        <p:spPr>
+          <a:xfrm>
+            <a:off x="0" y="111527"/>
+            <a:ext cx="12192000" cy="646500"/>
+          </a:xfrm>
+          <a:prstGeom prst="rect">
+            <a:avLst/>
+          </a:prstGeom>
+          <a:noFill/>
+          <a:ln>
+            <a:noFill/>
+          </a:ln>
+        </p:spPr>
+        <p:txBody>
+          <a:bodyPr spcFirstLastPara="1" wrap="square" lIns="91425" tIns="45700" rIns="91425" bIns="45700" anchor="t" anchorCtr="0">
+            <a:spAutoFit/>
+          </a:bodyPr>
+          <a:lstStyle/>
+          <a:p>
+            <a:pPr marL="0" marR="0" lvl="0" indent="0" algn="ctr" rtl="0">
+              <a:spcBef>
+                <a:spcPts val="0"/>
+              </a:spcBef>
+              <a:spcAft>
+                <a:spcPts val="0"/>
+              </a:spcAft>
+              <a:buClr>
+                <a:schemeClr val="dk1"/>
+              </a:buClr>
+              <a:buSzPts val="3600"/>
+              <a:buFont typeface="Calibri"/>
+              <a:buNone/>
+            </a:pPr>
+            <a:r>
+              <a:rPr lang="es-CL" sz="3600" b="1" i="0" u="sng" strike="noStrike" cap="none" dirty="0">
+                <a:solidFill>
+                  <a:schemeClr val="dk1"/>
+                </a:solidFill>
+                <a:latin typeface="Calibri"/>
+                <a:ea typeface="Calibri"/>
+                <a:cs typeface="Calibri"/>
+                <a:sym typeface="Calibri"/>
+              </a:rPr>
+              <a:t>Cronograma</a:t>
+            </a:r>
+            <a:endParaRPr sz="1800" b="1" i="0" u="sng" strike="noStrike" cap="none" dirty="0">
+              <a:solidFill>
+                <a:schemeClr val="dk1"/>
+              </a:solidFill>
+              <a:latin typeface="Calibri"/>
+              <a:ea typeface="Calibri"/>
+              <a:cs typeface="Calibri"/>
+              <a:sym typeface="Calibri"/>
+            </a:endParaRPr>
+          </a:p>
+        </p:txBody>
+      </p:sp>
+      <p:cxnSp>
+        <p:nvCxnSpPr>
+          <p:cNvPr id="149" name="Google Shape;149;p6">
+            <a:extLst>
+              <a:ext uri="{FF2B5EF4-FFF2-40B4-BE49-F238E27FC236}">
+                <a16:creationId xmlns:a16="http://schemas.microsoft.com/office/drawing/2014/main" id="{D2B105E9-6A1A-CE16-6B31-4BC190CA10AF}"/>
+              </a:ext>
+            </a:extLst>
+          </p:cNvPr>
+          <p:cNvCxnSpPr/>
+          <p:nvPr/>
+        </p:nvCxnSpPr>
+        <p:spPr>
+          <a:xfrm>
+            <a:off x="0" y="758027"/>
+            <a:ext cx="4085617" cy="0"/>
+          </a:xfrm>
+          <a:prstGeom prst="straightConnector1">
+            <a:avLst/>
+          </a:prstGeom>
+          <a:noFill/>
+          <a:ln w="15875" cap="flat" cmpd="sng">
+            <a:solidFill>
+              <a:srgbClr val="F5F7FC"/>
+            </a:solidFill>
+            <a:prstDash val="solid"/>
+            <a:miter lim="800000"/>
+            <a:headEnd type="none" w="sm" len="sm"/>
+            <a:tailEnd type="none" w="sm" len="sm"/>
+          </a:ln>
+        </p:spPr>
+      </p:cxnSp>
+      <p:pic>
+        <p:nvPicPr>
+          <p:cNvPr id="152" name="Google Shape;152;p6" descr="A logo for a school&#10;&#10;Description automatically generated">
+            <a:extLst>
+              <a:ext uri="{FF2B5EF4-FFF2-40B4-BE49-F238E27FC236}">
+                <a16:creationId xmlns:a16="http://schemas.microsoft.com/office/drawing/2014/main" id="{2366EF11-7DE5-0909-C2E7-3FCC8EEF2DA3}"/>
+              </a:ext>
+            </a:extLst>
+          </p:cNvPr>
+          <p:cNvPicPr preferRelativeResize="0"/>
+          <p:nvPr/>
+        </p:nvPicPr>
+        <p:blipFill rotWithShape="1">
+          <a:blip r:embed="rId4">
+            <a:alphaModFix/>
+          </a:blip>
+          <a:srcRect/>
+          <a:stretch/>
+        </p:blipFill>
+        <p:spPr>
+          <a:xfrm>
+            <a:off x="136188" y="-8598"/>
+            <a:ext cx="975859" cy="1001500"/>
+          </a:xfrm>
+          <a:prstGeom prst="rect">
+            <a:avLst/>
+          </a:prstGeom>
+          <a:noFill/>
+          <a:ln>
+            <a:noFill/>
+          </a:ln>
+        </p:spPr>
+      </p:pic>
+      <p:pic>
+        <p:nvPicPr>
+          <p:cNvPr id="3" name="Imagen 2" descr="Interfaz de usuario gráfica, Tabla&#10;&#10;Descripción generada automáticamente">
+            <a:extLst>
+              <a:ext uri="{FF2B5EF4-FFF2-40B4-BE49-F238E27FC236}">
+                <a16:creationId xmlns:a16="http://schemas.microsoft.com/office/drawing/2014/main" id="{159AE4C3-280A-E667-D96F-B50396E1D3D8}"/>
+              </a:ext>
+            </a:extLst>
+          </p:cNvPr>
+          <p:cNvPicPr>
+            <a:picLocks noChangeAspect="1"/>
+          </p:cNvPicPr>
+          <p:nvPr/>
+        </p:nvPicPr>
+        <p:blipFill>
+          <a:blip r:embed="rId5"/>
+          <a:stretch>
+            <a:fillRect/>
+          </a:stretch>
+        </p:blipFill>
+        <p:spPr>
+          <a:xfrm>
+            <a:off x="2909887" y="1133475"/>
+            <a:ext cx="6372225" cy="4591050"/>
+          </a:xfrm>
+          <a:prstGeom prst="rect">
+            <a:avLst/>
+          </a:prstGeom>
+        </p:spPr>
+      </p:pic>
+    </p:spTree>
+    <p:extLst>
+      <p:ext uri="{BB962C8B-B14F-4D97-AF65-F5344CB8AC3E}">
+        <p14:creationId xmlns:p14="http://schemas.microsoft.com/office/powerpoint/2010/main" val="15426891"/>
+      </p:ext>
+    </p:extLst>
+  </p:cSld>
+  <p:clrMapOvr>
+    <a:masterClrMapping/>
+  </p:clrMapOvr>
+  <p:transition spd="slow">
+    <p:wipe/>
+  </p:transition>
+</p:sld>
+</file>
+
+<file path=ppt/slides/slide8.xml><?xml version="1.0" encoding="utf-8"?>
+<p:sld xmlns:a="http://schemas.openxmlformats.org/drawingml/2006/main" xmlns:r="http://schemas.openxmlformats.org/officeDocument/2006/relationships" xmlns:p="http://schemas.openxmlformats.org/presentationml/2006/main">
+  <p:cSld>
+    <p:spTree>
+      <p:nvGrpSpPr>
+        <p:cNvPr id="1" name="Shape 192"/>
+        <p:cNvGrpSpPr/>
+        <p:nvPr/>
+      </p:nvGrpSpPr>
+      <p:grpSpPr>
+        <a:xfrm>
+          <a:off x="0" y="0"/>
+          <a:ext cx="0" cy="0"/>
+          <a:chOff x="0" y="0"/>
+          <a:chExt cx="0" cy="0"/>
+        </a:xfrm>
+      </p:grpSpPr>
+      <p:cxnSp>
+        <p:nvCxnSpPr>
+          <p:cNvPr id="194" name="Google Shape;194;p10"/>
+          <p:cNvCxnSpPr/>
+          <p:nvPr/>
+        </p:nvCxnSpPr>
+        <p:spPr>
+          <a:xfrm>
+            <a:off x="0" y="758027"/>
+            <a:ext cx="4085617" cy="0"/>
+          </a:xfrm>
+          <a:prstGeom prst="straightConnector1">
+            <a:avLst/>
+          </a:prstGeom>
+          <a:noFill/>
+          <a:ln w="15875" cap="flat" cmpd="sng">
+            <a:solidFill>
+              <a:srgbClr val="FBFDF1"/>
+            </a:solidFill>
+            <a:prstDash val="solid"/>
+            <a:round/>
+            <a:headEnd type="none" w="sm" len="sm"/>
+            <a:tailEnd type="none" w="sm" len="sm"/>
+          </a:ln>
+        </p:spPr>
+      </p:cxnSp>
+      <p:pic>
+        <p:nvPicPr>
+          <p:cNvPr id="3" name="Picture 2" descr="A computer screen shot of a computer program">
+            <a:extLst>
+              <a:ext uri="{FF2B5EF4-FFF2-40B4-BE49-F238E27FC236}">
+                <a16:creationId xmlns:a16="http://schemas.microsoft.com/office/drawing/2014/main" id="{6F761772-93B0-C044-46C8-4019663C7118}"/>
+              </a:ext>
+            </a:extLst>
+          </p:cNvPr>
+          <p:cNvPicPr>
+            <a:picLocks noChangeAspect="1"/>
+          </p:cNvPicPr>
+          <p:nvPr/>
+        </p:nvPicPr>
+        <p:blipFill>
+          <a:blip r:embed="rId3">
+            <a:extLst>
+              <a:ext uri="{BEBA8EAE-BF5A-486C-A8C5-ECC9F3942E4B}">
+                <a14:imgProps xmlns:a14="http://schemas.microsoft.com/office/drawing/2010/main">
+                  <a14:imgLayer r:embed="rId4">
+                    <a14:imgEffect>
+                      <a14:saturation sat="400000"/>
+                    </a14:imgEffect>
+                  </a14:imgLayer>
+                </a14:imgProps>
+              </a:ext>
+            </a:extLst>
+          </a:blip>
+          <a:stretch>
+            <a:fillRect/>
+          </a:stretch>
+        </p:blipFill>
+        <p:spPr>
+          <a:xfrm>
+            <a:off x="624117" y="0"/>
+            <a:ext cx="11746523" cy="6858000"/>
+          </a:xfrm>
+          <a:prstGeom prst="rect">
+            <a:avLst/>
+          </a:prstGeom>
+        </p:spPr>
+      </p:pic>
+      <p:pic>
+        <p:nvPicPr>
+          <p:cNvPr id="196" name="Google Shape;196;p10" descr="A logo for a school&#10;&#10;Description automatically generated"/>
+          <p:cNvPicPr preferRelativeResize="0"/>
+          <p:nvPr/>
+        </p:nvPicPr>
+        <p:blipFill rotWithShape="1">
+          <a:blip r:embed="rId5">
+            <a:alphaModFix/>
+          </a:blip>
+          <a:srcRect/>
+          <a:stretch/>
+        </p:blipFill>
+        <p:spPr>
+          <a:xfrm>
+            <a:off x="720388" y="257277"/>
+            <a:ext cx="975859" cy="1001500"/>
+          </a:xfrm>
+          <a:prstGeom prst="rect">
+            <a:avLst/>
+          </a:prstGeom>
+          <a:noFill/>
+          <a:ln>
+            <a:noFill/>
+          </a:ln>
+        </p:spPr>
+      </p:pic>
+    </p:spTree>
+  </p:cSld>
+  <p:clrMapOvr>
+    <a:masterClrMapping/>
+  </p:clrMapOvr>
+  <p:transition spd="slow">
+    <p:wipe/>
+  </p:transition>
+</p:sld>
+</file>
+
+<file path=ppt/slides/slide9.xml><?xml version="1.0" encoding="utf-8"?>
+<p:sld xmlns:a="http://schemas.openxmlformats.org/drawingml/2006/main" xmlns:r="http://schemas.openxmlformats.org/officeDocument/2006/relationships" xmlns:p="http://schemas.openxmlformats.org/presentationml/2006/main">
+  <p:cSld>
+    <p:spTree>
+      <p:nvGrpSpPr>
         <p:cNvPr id="1" name="Shape 156"/>
         <p:cNvGrpSpPr/>
         <p:nvPr/>
@@ -12664,764 +13831,7 @@
       </p:cxnSp>
       <p:pic>
         <p:nvPicPr>
-          <p:cNvPr id="160" name="Google Shape;160;p7"/>
-          <p:cNvPicPr preferRelativeResize="0"/>
-          <p:nvPr/>
-        </p:nvPicPr>
-        <p:blipFill rotWithShape="1">
-          <a:blip r:embed="rId4">
-            <a:alphaModFix/>
-          </a:blip>
-          <a:srcRect/>
-          <a:stretch/>
-        </p:blipFill>
-        <p:spPr>
-          <a:xfrm>
-            <a:off x="3154824" y="1176805"/>
-            <a:ext cx="5882351" cy="5681195"/>
-          </a:xfrm>
-          <a:prstGeom prst="rect">
-            <a:avLst/>
-          </a:prstGeom>
-          <a:noFill/>
-          <a:ln>
-            <a:noFill/>
-          </a:ln>
-        </p:spPr>
-      </p:pic>
-      <p:pic>
-        <p:nvPicPr>
           <p:cNvPr id="161" name="Google Shape;161;p7" descr="A logo for a school&#10;&#10;Description automatically generated"/>
-          <p:cNvPicPr preferRelativeResize="0"/>
-          <p:nvPr/>
-        </p:nvPicPr>
-        <p:blipFill rotWithShape="1">
-          <a:blip r:embed="rId5">
-            <a:alphaModFix/>
-          </a:blip>
-          <a:srcRect/>
-          <a:stretch/>
-        </p:blipFill>
-        <p:spPr>
-          <a:xfrm>
-            <a:off x="136188" y="-8598"/>
-            <a:ext cx="975859" cy="1001500"/>
-          </a:xfrm>
-          <a:prstGeom prst="rect">
-            <a:avLst/>
-          </a:prstGeom>
-          <a:noFill/>
-          <a:ln>
-            <a:noFill/>
-          </a:ln>
-        </p:spPr>
-      </p:pic>
-    </p:spTree>
-  </p:cSld>
-  <p:clrMapOvr>
-    <a:masterClrMapping/>
-  </p:clrMapOvr>
-  <p:transition spd="slow">
-    <p:wipe/>
-  </p:transition>
-</p:sld>
-</file>
-
-<file path=ppt/slides/slide8.xml><?xml version="1.0" encoding="utf-8"?>
-<p:sld xmlns:a="http://schemas.openxmlformats.org/drawingml/2006/main" xmlns:r="http://schemas.openxmlformats.org/officeDocument/2006/relationships" xmlns:p="http://schemas.openxmlformats.org/presentationml/2006/main">
-  <p:cSld>
-    <p:spTree>
-      <p:nvGrpSpPr>
-        <p:cNvPr id="1" name="Shape 165"/>
-        <p:cNvGrpSpPr/>
-        <p:nvPr/>
-      </p:nvGrpSpPr>
-      <p:grpSpPr>
-        <a:xfrm>
-          <a:off x="0" y="0"/>
-          <a:ext cx="0" cy="0"/>
-          <a:chOff x="0" y="0"/>
-          <a:chExt cx="0" cy="0"/>
-        </a:xfrm>
-      </p:grpSpPr>
-      <p:pic>
-        <p:nvPicPr>
-          <p:cNvPr id="166" name="Google Shape;166;p8" descr="EscuelaIT Duoc UC - Escuela de Informática y Telecomunicaciones Duoc UC - Duoc  UC | LinkedIn"/>
-          <p:cNvPicPr preferRelativeResize="0"/>
-          <p:nvPr/>
-        </p:nvPicPr>
-        <p:blipFill rotWithShape="1">
-          <a:blip r:embed="rId3">
-            <a:alphaModFix/>
-          </a:blip>
-          <a:srcRect/>
-          <a:stretch/>
-        </p:blipFill>
-        <p:spPr>
-          <a:xfrm>
-            <a:off x="9050593" y="208036"/>
-            <a:ext cx="3141406" cy="785352"/>
-          </a:xfrm>
-          <a:prstGeom prst="rect">
-            <a:avLst/>
-          </a:prstGeom>
-          <a:noFill/>
-          <a:ln>
-            <a:noFill/>
-          </a:ln>
-        </p:spPr>
-      </p:pic>
-      <p:sp>
-        <p:nvSpPr>
-          <p:cNvPr id="167" name="Google Shape;167;p8"/>
-          <p:cNvSpPr txBox="1"/>
-          <p:nvPr/>
-        </p:nvSpPr>
-        <p:spPr>
-          <a:xfrm>
-            <a:off x="1" y="208036"/>
-            <a:ext cx="12191999" cy="646331"/>
-          </a:xfrm>
-          <a:prstGeom prst="rect">
-            <a:avLst/>
-          </a:prstGeom>
-          <a:noFill/>
-          <a:ln>
-            <a:noFill/>
-          </a:ln>
-        </p:spPr>
-        <p:txBody>
-          <a:bodyPr spcFirstLastPara="1" wrap="square" lIns="91425" tIns="45700" rIns="91425" bIns="45700" anchor="t" anchorCtr="0">
-            <a:spAutoFit/>
-          </a:bodyPr>
-          <a:lstStyle/>
-          <a:p>
-            <a:pPr marL="0" marR="0" lvl="0" indent="0" algn="ctr" rtl="0">
-              <a:spcBef>
-                <a:spcPts val="0"/>
-              </a:spcBef>
-              <a:spcAft>
-                <a:spcPts val="0"/>
-              </a:spcAft>
-              <a:buClr>
-                <a:schemeClr val="dk1"/>
-              </a:buClr>
-              <a:buSzPts val="3600"/>
-              <a:buFont typeface="Calibri"/>
-              <a:buNone/>
-            </a:pPr>
-            <a:r>
-              <a:rPr lang="es-CL" sz="3600" b="1" i="0" u="sng" strike="noStrike" cap="none">
-                <a:solidFill>
-                  <a:schemeClr val="dk1"/>
-                </a:solidFill>
-                <a:latin typeface="Calibri"/>
-                <a:ea typeface="Calibri"/>
-                <a:cs typeface="Calibri"/>
-                <a:sym typeface="Calibri"/>
-              </a:rPr>
-              <a:t>Tecnologías utilizadas</a:t>
-            </a:r>
-            <a:endParaRPr sz="1800" b="1" i="0" u="sng" strike="noStrike" cap="none">
-              <a:solidFill>
-                <a:schemeClr val="dk1"/>
-              </a:solidFill>
-              <a:latin typeface="Corbel"/>
-              <a:ea typeface="Corbel"/>
-              <a:cs typeface="Corbel"/>
-              <a:sym typeface="Corbel"/>
-            </a:endParaRPr>
-          </a:p>
-        </p:txBody>
-      </p:sp>
-      <p:cxnSp>
-        <p:nvCxnSpPr>
-          <p:cNvPr id="168" name="Google Shape;168;p8"/>
-          <p:cNvCxnSpPr/>
-          <p:nvPr/>
-        </p:nvCxnSpPr>
-        <p:spPr>
-          <a:xfrm>
-            <a:off x="0" y="758027"/>
-            <a:ext cx="4085617" cy="0"/>
-          </a:xfrm>
-          <a:prstGeom prst="straightConnector1">
-            <a:avLst/>
-          </a:prstGeom>
-          <a:noFill/>
-          <a:ln w="15875" cap="flat" cmpd="sng">
-            <a:solidFill>
-              <a:srgbClr val="F5F7FC"/>
-            </a:solidFill>
-            <a:prstDash val="solid"/>
-            <a:miter lim="800000"/>
-            <a:headEnd type="none" w="sm" len="sm"/>
-            <a:tailEnd type="none" w="sm" len="sm"/>
-          </a:ln>
-        </p:spPr>
-      </p:cxnSp>
-      <p:pic>
-        <p:nvPicPr>
-          <p:cNvPr id="169" name="Google Shape;169;p8" title="Archivo:Python.svg - Wikipedia, la enciclopedia libre"/>
-          <p:cNvPicPr preferRelativeResize="0"/>
-          <p:nvPr/>
-        </p:nvPicPr>
-        <p:blipFill rotWithShape="1">
-          <a:blip r:embed="rId4">
-            <a:alphaModFix/>
-          </a:blip>
-          <a:srcRect/>
-          <a:stretch/>
-        </p:blipFill>
-        <p:spPr>
-          <a:xfrm>
-            <a:off x="666233" y="1922180"/>
-            <a:ext cx="1521076" cy="1521074"/>
-          </a:xfrm>
-          <a:prstGeom prst="rect">
-            <a:avLst/>
-          </a:prstGeom>
-          <a:noFill/>
-          <a:ln>
-            <a:noFill/>
-          </a:ln>
-        </p:spPr>
-      </p:pic>
-      <p:pic>
-        <p:nvPicPr>
-          <p:cNvPr id="170" name="Google Shape;170;p8" title="Archivo:Bootstrap logo.svg - Wikipedia, la enciclopedia libre"/>
-          <p:cNvPicPr preferRelativeResize="0"/>
-          <p:nvPr/>
-        </p:nvPicPr>
-        <p:blipFill rotWithShape="1">
-          <a:blip r:embed="rId5">
-            <a:alphaModFix/>
-          </a:blip>
-          <a:srcRect/>
-          <a:stretch/>
-        </p:blipFill>
-        <p:spPr>
-          <a:xfrm>
-            <a:off x="3125183" y="2020154"/>
-            <a:ext cx="1662899" cy="1325125"/>
-          </a:xfrm>
-          <a:prstGeom prst="rect">
-            <a:avLst/>
-          </a:prstGeom>
-          <a:noFill/>
-          <a:ln>
-            <a:noFill/>
-          </a:ln>
-        </p:spPr>
-      </p:pic>
-      <p:pic>
-        <p:nvPicPr>
-          <p:cNvPr id="171" name="Google Shape;171;p8" title="About Us | Deepsouth Technology"/>
-          <p:cNvPicPr preferRelativeResize="0"/>
-          <p:nvPr/>
-        </p:nvPicPr>
-        <p:blipFill rotWithShape="1">
-          <a:blip r:embed="rId6">
-            <a:alphaModFix/>
-          </a:blip>
-          <a:srcRect/>
-          <a:stretch/>
-        </p:blipFill>
-        <p:spPr>
-          <a:xfrm>
-            <a:off x="5471969" y="1751566"/>
-            <a:ext cx="1731250" cy="1731250"/>
-          </a:xfrm>
-          <a:prstGeom prst="rect">
-            <a:avLst/>
-          </a:prstGeom>
-          <a:noFill/>
-          <a:ln>
-            <a:noFill/>
-          </a:ln>
-        </p:spPr>
-      </p:pic>
-      <p:pic>
-        <p:nvPicPr>
-          <p:cNvPr id="172" name="Google Shape;172;p8" title="File:Sql data base with logo.png - Wikimedia Commons"/>
-          <p:cNvPicPr preferRelativeResize="0"/>
-          <p:nvPr/>
-        </p:nvPicPr>
-        <p:blipFill rotWithShape="1">
-          <a:blip r:embed="rId7">
-            <a:alphaModFix/>
-          </a:blip>
-          <a:srcRect/>
-          <a:stretch/>
-        </p:blipFill>
-        <p:spPr>
-          <a:xfrm>
-            <a:off x="7433385" y="2140233"/>
-            <a:ext cx="2400325" cy="1141800"/>
-          </a:xfrm>
-          <a:prstGeom prst="rect">
-            <a:avLst/>
-          </a:prstGeom>
-          <a:noFill/>
-          <a:ln>
-            <a:noFill/>
-          </a:ln>
-        </p:spPr>
-      </p:pic>
-      <p:pic>
-        <p:nvPicPr>
-          <p:cNvPr id="174" name="Google Shape;174;p8" title="File:Google cloud.png - Wikimedia Commons"/>
-          <p:cNvPicPr preferRelativeResize="0"/>
-          <p:nvPr/>
-        </p:nvPicPr>
-        <p:blipFill rotWithShape="1">
-          <a:blip r:embed="rId8">
-            <a:alphaModFix/>
-          </a:blip>
-          <a:srcRect/>
-          <a:stretch/>
-        </p:blipFill>
-        <p:spPr>
-          <a:xfrm>
-            <a:off x="7433385" y="4258421"/>
-            <a:ext cx="1821058" cy="1866356"/>
-          </a:xfrm>
-          <a:prstGeom prst="rect">
-            <a:avLst/>
-          </a:prstGeom>
-          <a:noFill/>
-          <a:ln>
-            <a:noFill/>
-          </a:ln>
-        </p:spPr>
-      </p:pic>
-      <p:sp>
-        <p:nvSpPr>
-          <p:cNvPr id="175" name="Google Shape;175;p8"/>
-          <p:cNvSpPr/>
-          <p:nvPr/>
-        </p:nvSpPr>
-        <p:spPr>
-          <a:xfrm>
-            <a:off x="763771" y="3429000"/>
-            <a:ext cx="1326000" cy="523220"/>
-          </a:xfrm>
-          <a:prstGeom prst="rect">
-            <a:avLst/>
-          </a:prstGeom>
-          <a:noFill/>
-          <a:ln>
-            <a:noFill/>
-          </a:ln>
-        </p:spPr>
-        <p:txBody>
-          <a:bodyPr spcFirstLastPara="1" wrap="square" lIns="91425" tIns="45700" rIns="91425" bIns="45700" anchor="t" anchorCtr="0">
-            <a:spAutoFit/>
-          </a:bodyPr>
-          <a:lstStyle/>
-          <a:p>
-            <a:pPr marL="0" marR="0" lvl="0" indent="0" algn="ctr" rtl="0">
-              <a:spcBef>
-                <a:spcPts val="0"/>
-              </a:spcBef>
-              <a:spcAft>
-                <a:spcPts val="0"/>
-              </a:spcAft>
-              <a:buNone/>
-            </a:pPr>
-            <a:r>
-              <a:rPr lang="es-CL" sz="2800" b="1" i="0" u="none" strike="noStrike" cap="none" dirty="0">
-                <a:solidFill>
-                  <a:srgbClr val="262626"/>
-                </a:solidFill>
-                <a:latin typeface="Corbel"/>
-                <a:ea typeface="Corbel"/>
-                <a:cs typeface="Corbel"/>
-                <a:sym typeface="Corbel"/>
-              </a:rPr>
-              <a:t>Python</a:t>
-            </a:r>
-            <a:endParaRPr dirty="0"/>
-          </a:p>
-        </p:txBody>
-      </p:sp>
-      <p:sp>
-        <p:nvSpPr>
-          <p:cNvPr id="176" name="Google Shape;176;p8"/>
-          <p:cNvSpPr/>
-          <p:nvPr/>
-        </p:nvSpPr>
-        <p:spPr>
-          <a:xfrm>
-            <a:off x="3073357" y="3429000"/>
-            <a:ext cx="1766549" cy="523220"/>
-          </a:xfrm>
-          <a:prstGeom prst="rect">
-            <a:avLst/>
-          </a:prstGeom>
-          <a:noFill/>
-          <a:ln>
-            <a:noFill/>
-          </a:ln>
-        </p:spPr>
-        <p:txBody>
-          <a:bodyPr spcFirstLastPara="1" wrap="square" lIns="91425" tIns="45700" rIns="91425" bIns="45700" anchor="t" anchorCtr="0">
-            <a:spAutoFit/>
-          </a:bodyPr>
-          <a:lstStyle/>
-          <a:p>
-            <a:pPr marL="0" marR="0" lvl="0" indent="0" algn="ctr" rtl="0">
-              <a:spcBef>
-                <a:spcPts val="0"/>
-              </a:spcBef>
-              <a:spcAft>
-                <a:spcPts val="0"/>
-              </a:spcAft>
-              <a:buNone/>
-            </a:pPr>
-            <a:r>
-              <a:rPr lang="es-CL" sz="2800" b="1" i="0" u="none" strike="noStrike" cap="none" dirty="0">
-                <a:solidFill>
-                  <a:srgbClr val="262626"/>
-                </a:solidFill>
-                <a:latin typeface="Corbel"/>
-                <a:ea typeface="Corbel"/>
-                <a:cs typeface="Corbel"/>
-                <a:sym typeface="Corbel"/>
-              </a:rPr>
-              <a:t>Bootstrap</a:t>
-            </a:r>
-            <a:endParaRPr dirty="0"/>
-          </a:p>
-        </p:txBody>
-      </p:sp>
-      <p:sp>
-        <p:nvSpPr>
-          <p:cNvPr id="177" name="Google Shape;177;p8"/>
-          <p:cNvSpPr/>
-          <p:nvPr/>
-        </p:nvSpPr>
-        <p:spPr>
-          <a:xfrm>
-            <a:off x="5241802" y="3429000"/>
-            <a:ext cx="2191583" cy="523220"/>
-          </a:xfrm>
-          <a:prstGeom prst="rect">
-            <a:avLst/>
-          </a:prstGeom>
-          <a:noFill/>
-          <a:ln>
-            <a:noFill/>
-          </a:ln>
-        </p:spPr>
-        <p:txBody>
-          <a:bodyPr spcFirstLastPara="1" wrap="square" lIns="91425" tIns="45700" rIns="91425" bIns="45700" anchor="t" anchorCtr="0">
-            <a:spAutoFit/>
-          </a:bodyPr>
-          <a:lstStyle/>
-          <a:p>
-            <a:pPr marL="0" marR="0" lvl="0" indent="0" algn="ctr" rtl="0">
-              <a:spcBef>
-                <a:spcPts val="0"/>
-              </a:spcBef>
-              <a:spcAft>
-                <a:spcPts val="0"/>
-              </a:spcAft>
-              <a:buNone/>
-            </a:pPr>
-            <a:r>
-              <a:rPr lang="es-CL" sz="2800" b="1" i="0" u="none" strike="noStrike" cap="none" dirty="0" err="1">
-                <a:solidFill>
-                  <a:srgbClr val="262626"/>
-                </a:solidFill>
-                <a:latin typeface="Corbel"/>
-                <a:ea typeface="Corbel"/>
-                <a:cs typeface="Corbel"/>
-                <a:sym typeface="Corbel"/>
-              </a:rPr>
-              <a:t>Tailwind</a:t>
-            </a:r>
-            <a:r>
-              <a:rPr lang="es-CL" sz="2800" b="1" i="0" u="none" strike="noStrike" cap="none" dirty="0">
-                <a:solidFill>
-                  <a:srgbClr val="262626"/>
-                </a:solidFill>
-                <a:latin typeface="Corbel"/>
-                <a:ea typeface="Corbel"/>
-                <a:cs typeface="Corbel"/>
-                <a:sym typeface="Corbel"/>
-              </a:rPr>
-              <a:t> CSS</a:t>
-            </a:r>
-            <a:endParaRPr dirty="0"/>
-          </a:p>
-        </p:txBody>
-      </p:sp>
-      <p:pic>
-        <p:nvPicPr>
-          <p:cNvPr id="179" name="Google Shape;179;p8" descr="A logo for a school&#10;&#10;Description automatically generated"/>
-          <p:cNvPicPr preferRelativeResize="0"/>
-          <p:nvPr/>
-        </p:nvPicPr>
-        <p:blipFill rotWithShape="1">
-          <a:blip r:embed="rId9">
-            <a:alphaModFix/>
-          </a:blip>
-          <a:srcRect/>
-          <a:stretch/>
-        </p:blipFill>
-        <p:spPr>
-          <a:xfrm>
-            <a:off x="136188" y="-8598"/>
-            <a:ext cx="975859" cy="1001500"/>
-          </a:xfrm>
-          <a:prstGeom prst="rect">
-            <a:avLst/>
-          </a:prstGeom>
-          <a:noFill/>
-          <a:ln>
-            <a:noFill/>
-          </a:ln>
-        </p:spPr>
-      </p:pic>
-      <p:pic>
-        <p:nvPicPr>
-          <p:cNvPr id="180" name="Google Shape;180;p8" descr="Transforming AI with LangChain: A Text Data Game Changer - KDnuggets"/>
-          <p:cNvPicPr preferRelativeResize="0"/>
-          <p:nvPr/>
-        </p:nvPicPr>
-        <p:blipFill rotWithShape="1">
-          <a:blip r:embed="rId10">
-            <a:alphaModFix/>
-          </a:blip>
-          <a:srcRect/>
-          <a:stretch/>
-        </p:blipFill>
-        <p:spPr>
-          <a:xfrm>
-            <a:off x="-104015" y="4372532"/>
-            <a:ext cx="5615364" cy="1938920"/>
-          </a:xfrm>
-          <a:prstGeom prst="rect">
-            <a:avLst/>
-          </a:prstGeom>
-          <a:noFill/>
-          <a:ln>
-            <a:noFill/>
-          </a:ln>
-        </p:spPr>
-      </p:pic>
-      <p:pic>
-        <p:nvPicPr>
-          <p:cNvPr id="173" name="Google Shape;173;p8" title="File:Git icon.svg - Wikimedia Commons"/>
-          <p:cNvPicPr preferRelativeResize="0"/>
-          <p:nvPr/>
-        </p:nvPicPr>
-        <p:blipFill rotWithShape="1">
-          <a:blip r:embed="rId11">
-            <a:alphaModFix/>
-          </a:blip>
-          <a:srcRect/>
-          <a:stretch/>
-        </p:blipFill>
-        <p:spPr>
-          <a:xfrm>
-            <a:off x="5549901" y="4431061"/>
-            <a:ext cx="1521076" cy="1521076"/>
-          </a:xfrm>
-          <a:prstGeom prst="rect">
-            <a:avLst/>
-          </a:prstGeom>
-          <a:noFill/>
-          <a:ln>
-            <a:noFill/>
-          </a:ln>
-        </p:spPr>
-      </p:pic>
-      <p:sp>
-        <p:nvSpPr>
-          <p:cNvPr id="178" name="Google Shape;178;p8"/>
-          <p:cNvSpPr/>
-          <p:nvPr/>
-        </p:nvSpPr>
-        <p:spPr>
-          <a:xfrm>
-            <a:off x="5749319" y="5638191"/>
-            <a:ext cx="1122239" cy="523220"/>
-          </a:xfrm>
-          <a:prstGeom prst="rect">
-            <a:avLst/>
-          </a:prstGeom>
-          <a:noFill/>
-          <a:ln>
-            <a:noFill/>
-          </a:ln>
-        </p:spPr>
-        <p:txBody>
-          <a:bodyPr spcFirstLastPara="1" wrap="square" lIns="91425" tIns="45700" rIns="91425" bIns="45700" anchor="t" anchorCtr="0">
-            <a:spAutoFit/>
-          </a:bodyPr>
-          <a:lstStyle/>
-          <a:p>
-            <a:pPr marL="0" marR="0" lvl="0" indent="0" algn="ctr" rtl="0">
-              <a:spcBef>
-                <a:spcPts val="0"/>
-              </a:spcBef>
-              <a:spcAft>
-                <a:spcPts val="0"/>
-              </a:spcAft>
-              <a:buNone/>
-            </a:pPr>
-            <a:r>
-              <a:rPr lang="es-CL" sz="2800" b="1" i="0" u="none" strike="noStrike" cap="none" dirty="0">
-                <a:solidFill>
-                  <a:srgbClr val="262626"/>
-                </a:solidFill>
-                <a:latin typeface="Corbel"/>
-                <a:ea typeface="Corbel"/>
-                <a:cs typeface="Corbel"/>
-                <a:sym typeface="Corbel"/>
-              </a:rPr>
-              <a:t>GIT</a:t>
-            </a:r>
-            <a:endParaRPr dirty="0"/>
-          </a:p>
-        </p:txBody>
-      </p:sp>
-    </p:spTree>
-  </p:cSld>
-  <p:clrMapOvr>
-    <a:masterClrMapping/>
-  </p:clrMapOvr>
-  <p:transition spd="slow">
-    <p:wipe/>
-  </p:transition>
-</p:sld>
-</file>
-
-<file path=ppt/slides/slide9.xml><?xml version="1.0" encoding="utf-8"?>
-<p:sld xmlns:a="http://schemas.openxmlformats.org/drawingml/2006/main" xmlns:r="http://schemas.openxmlformats.org/officeDocument/2006/relationships" xmlns:p="http://schemas.openxmlformats.org/presentationml/2006/main">
-  <p:cSld>
-    <p:spTree>
-      <p:nvGrpSpPr>
-        <p:cNvPr id="1" name="Shape 184"/>
-        <p:cNvGrpSpPr/>
-        <p:nvPr/>
-      </p:nvGrpSpPr>
-      <p:grpSpPr>
-        <a:xfrm>
-          <a:off x="0" y="0"/>
-          <a:ext cx="0" cy="0"/>
-          <a:chOff x="0" y="0"/>
-          <a:chExt cx="0" cy="0"/>
-        </a:xfrm>
-      </p:grpSpPr>
-      <p:pic>
-        <p:nvPicPr>
-          <p:cNvPr id="185" name="Google Shape;185;p9" descr="EscuelaIT Duoc UC - Escuela de Informática y Telecomunicaciones Duoc UC - Duoc  UC | LinkedIn"/>
-          <p:cNvPicPr preferRelativeResize="0"/>
-          <p:nvPr/>
-        </p:nvPicPr>
-        <p:blipFill rotWithShape="1">
-          <a:blip r:embed="rId3">
-            <a:alphaModFix/>
-          </a:blip>
-          <a:srcRect/>
-          <a:stretch/>
-        </p:blipFill>
-        <p:spPr>
-          <a:xfrm>
-            <a:off x="9050594" y="222552"/>
-            <a:ext cx="3141406" cy="785352"/>
-          </a:xfrm>
-          <a:prstGeom prst="rect">
-            <a:avLst/>
-          </a:prstGeom>
-          <a:noFill/>
-          <a:ln>
-            <a:noFill/>
-          </a:ln>
-        </p:spPr>
-      </p:pic>
-      <p:sp>
-        <p:nvSpPr>
-          <p:cNvPr id="186" name="Google Shape;186;p9"/>
-          <p:cNvSpPr txBox="1"/>
-          <p:nvPr/>
-        </p:nvSpPr>
-        <p:spPr>
-          <a:xfrm>
-            <a:off x="1" y="3105834"/>
-            <a:ext cx="12191999" cy="646331"/>
-          </a:xfrm>
-          <a:prstGeom prst="rect">
-            <a:avLst/>
-          </a:prstGeom>
-          <a:noFill/>
-          <a:ln>
-            <a:noFill/>
-          </a:ln>
-        </p:spPr>
-        <p:txBody>
-          <a:bodyPr spcFirstLastPara="1" wrap="square" lIns="91425" tIns="45700" rIns="91425" bIns="45700" anchor="t" anchorCtr="0">
-            <a:spAutoFit/>
-          </a:bodyPr>
-          <a:lstStyle/>
-          <a:p>
-            <a:pPr marL="0" marR="0" lvl="0" indent="0" algn="ctr" rtl="0">
-              <a:spcBef>
-                <a:spcPts val="0"/>
-              </a:spcBef>
-              <a:spcAft>
-                <a:spcPts val="0"/>
-              </a:spcAft>
-              <a:buNone/>
-            </a:pPr>
-            <a:r>
-              <a:rPr lang="es-CL" sz="3600" b="1" i="0" u="none" strike="noStrike" cap="none">
-                <a:solidFill>
-                  <a:schemeClr val="dk1"/>
-                </a:solidFill>
-                <a:latin typeface="Corbel"/>
-                <a:ea typeface="Corbel"/>
-                <a:cs typeface="Corbel"/>
-                <a:sym typeface="Corbel"/>
-              </a:rPr>
-              <a:t>Modelo de datos</a:t>
-            </a:r>
-            <a:endParaRPr/>
-          </a:p>
-        </p:txBody>
-      </p:sp>
-      <p:cxnSp>
-        <p:nvCxnSpPr>
-          <p:cNvPr id="187" name="Google Shape;187;p9"/>
-          <p:cNvCxnSpPr/>
-          <p:nvPr/>
-        </p:nvCxnSpPr>
-        <p:spPr>
-          <a:xfrm>
-            <a:off x="0" y="758027"/>
-            <a:ext cx="4085617" cy="0"/>
-          </a:xfrm>
-          <a:prstGeom prst="straightConnector1">
-            <a:avLst/>
-          </a:prstGeom>
-          <a:noFill/>
-          <a:ln w="15875" cap="flat" cmpd="sng">
-            <a:solidFill>
-              <a:srgbClr val="FBFDF1"/>
-            </a:solidFill>
-            <a:prstDash val="solid"/>
-            <a:round/>
-            <a:headEnd type="none" w="sm" len="sm"/>
-            <a:tailEnd type="none" w="sm" len="sm"/>
-          </a:ln>
-        </p:spPr>
-      </p:cxnSp>
-      <p:pic>
-        <p:nvPicPr>
-          <p:cNvPr id="188" name="Google Shape;188;p9" descr="A logo for a school&#10;&#10;Description automatically generated"/>
           <p:cNvPicPr preferRelativeResize="0"/>
           <p:nvPr/>
         </p:nvPicPr>
@@ -13444,6 +13854,36 @@
           <a:ln>
             <a:noFill/>
           </a:ln>
+        </p:spPr>
+      </p:pic>
+      <p:pic>
+        <p:nvPicPr>
+          <p:cNvPr id="3" name="Imagen 2">
+            <a:extLst>
+              <a:ext uri="{FF2B5EF4-FFF2-40B4-BE49-F238E27FC236}">
+                <a16:creationId xmlns:a16="http://schemas.microsoft.com/office/drawing/2014/main" id="{384B9BEA-9DE7-765A-68F9-12B67277948F}"/>
+              </a:ext>
+            </a:extLst>
+          </p:cNvPr>
+          <p:cNvPicPr>
+            <a:picLocks noChangeAspect="1"/>
+          </p:cNvPicPr>
+          <p:nvPr/>
+        </p:nvPicPr>
+        <p:blipFill>
+          <a:blip r:embed="rId5"/>
+          <a:stretch>
+            <a:fillRect/>
+          </a:stretch>
+        </p:blipFill>
+        <p:spPr>
+          <a:xfrm>
+            <a:off x="2604201" y="1136844"/>
+            <a:ext cx="6446393" cy="5560232"/>
+          </a:xfrm>
+          <a:prstGeom prst="rect">
+            <a:avLst/>
+          </a:prstGeom>
         </p:spPr>
       </p:pic>
     </p:spTree>
